--- a/docs/Кейс “Персональный помощник для студентов”.pptx
+++ b/docs/Кейс “Персональный помощник для студентов”.pptx
@@ -2,33 +2,34 @@
 <file path=ppt/presentation.xml><?xml version="1.0" encoding="utf-8"?>
 <p:presentation xmlns:a="http://schemas.openxmlformats.org/drawingml/2006/main" xmlns:r="http://schemas.openxmlformats.org/officeDocument/2006/relationships" xmlns:mc="http://schemas.openxmlformats.org/markup-compatibility/2006" xmlns:mv="urn:schemas-microsoft-com:mac:vml" xmlns:p="http://schemas.openxmlformats.org/presentationml/2006/main" xmlns:c="http://schemas.openxmlformats.org/drawingml/2006/chart" xmlns:dgm="http://schemas.openxmlformats.org/drawingml/2006/diagram" xmlns:o="urn:schemas-microsoft-com:office:office" xmlns:v="urn:schemas-microsoft-com:vml" xmlns:pvml="urn:schemas-microsoft-com:office:powerpoint" xmlns:com="http://schemas.openxmlformats.org/drawingml/2006/compatibility" xmlns:p14="http://schemas.microsoft.com/office/powerpoint/2010/main" xmlns:p15="http://schemas.microsoft.com/office/powerpoint/2012/main" xmlns:ahyp="http://schemas.microsoft.com/office/drawing/2018/hyperlinkcolor" autoCompressPictures="0" embedTrueTypeFonts="1" strictFirstAndLastChars="0" saveSubsetFonts="1">
   <p:sldMasterIdLst>
-    <p:sldMasterId id="2147483659" r:id="rId4"/>
+    <p:sldMasterId id="2147483659" r:id="rId5"/>
   </p:sldMasterIdLst>
   <p:notesMasterIdLst>
-    <p:notesMasterId r:id="rId5"/>
+    <p:notesMasterId r:id="rId6"/>
   </p:notesMasterIdLst>
   <p:sldIdLst>
-    <p:sldId id="256" r:id="rId6"/>
-    <p:sldId id="257" r:id="rId7"/>
-    <p:sldId id="258" r:id="rId8"/>
-    <p:sldId id="259" r:id="rId9"/>
-    <p:sldId id="260" r:id="rId10"/>
-    <p:sldId id="261" r:id="rId11"/>
-    <p:sldId id="262" r:id="rId12"/>
-    <p:sldId id="263" r:id="rId13"/>
-    <p:sldId id="264" r:id="rId14"/>
-    <p:sldId id="265" r:id="rId15"/>
-    <p:sldId id="266" r:id="rId16"/>
+    <p:sldId id="256" r:id="rId7"/>
+    <p:sldId id="257" r:id="rId8"/>
+    <p:sldId id="258" r:id="rId9"/>
+    <p:sldId id="259" r:id="rId10"/>
+    <p:sldId id="260" r:id="rId11"/>
+    <p:sldId id="261" r:id="rId12"/>
+    <p:sldId id="262" r:id="rId13"/>
+    <p:sldId id="263" r:id="rId14"/>
+    <p:sldId id="264" r:id="rId15"/>
+    <p:sldId id="265" r:id="rId16"/>
+    <p:sldId id="266" r:id="rId17"/>
+    <p:sldId id="267" r:id="rId18"/>
   </p:sldIdLst>
   <p:sldSz cy="5143500" cx="9144000"/>
   <p:notesSz cx="6858000" cy="9144000"/>
   <p:embeddedFontLst>
     <p:embeddedFont>
       <p:font typeface="Nunito"/>
-      <p:regular r:id="rId17"/>
-      <p:bold r:id="rId18"/>
-      <p:italic r:id="rId19"/>
-      <p:boldItalic r:id="rId20"/>
+      <p:regular r:id="rId19"/>
+      <p:bold r:id="rId20"/>
+      <p:italic r:id="rId21"/>
+      <p:boldItalic r:id="rId22"/>
     </p:embeddedFont>
   </p:embeddedFontLst>
   <p:defaultTextStyle>
@@ -809,7 +810,7 @@
   <p:cSld>
     <p:spTree>
       <p:nvGrpSpPr>
-        <p:cNvPr id="179" name="Shape 179"/>
+        <p:cNvPr id="178" name="Shape 178"/>
         <p:cNvGrpSpPr/>
         <p:nvPr/>
       </p:nvGrpSpPr>
@@ -823,7 +824,7 @@
       </p:grpSpPr>
       <p:sp>
         <p:nvSpPr>
-          <p:cNvPr id="180" name="Google Shape;180;g2a60b4bc23a_0_259:notes"/>
+          <p:cNvPr id="179" name="Google Shape;179;g2a60b4bc23a_4_5:notes"/>
           <p:cNvSpPr/>
           <p:nvPr>
             <p:ph idx="2" type="sldImg"/>
@@ -858,7 +859,7 @@
       </p:sp>
       <p:sp>
         <p:nvSpPr>
-          <p:cNvPr id="181" name="Google Shape;181;g2a60b4bc23a_0_259:notes"/>
+          <p:cNvPr id="180" name="Google Shape;180;g2a60b4bc23a_4_5:notes"/>
           <p:cNvSpPr txBox="1"/>
           <p:nvPr>
             <p:ph idx="1" type="body"/>
@@ -922,7 +923,7 @@
       </p:grpSpPr>
       <p:sp>
         <p:nvSpPr>
-          <p:cNvPr id="186" name="Google Shape;186;g2a60b4bc23a_4_25:notes"/>
+          <p:cNvPr id="186" name="Google Shape;186;g2a91ced6582_0_0:notes"/>
           <p:cNvSpPr/>
           <p:nvPr>
             <p:ph idx="2" type="sldImg"/>
@@ -957,7 +958,106 @@
       </p:sp>
       <p:sp>
         <p:nvSpPr>
-          <p:cNvPr id="187" name="Google Shape;187;g2a60b4bc23a_4_25:notes"/>
+          <p:cNvPr id="187" name="Google Shape;187;g2a91ced6582_0_0:notes"/>
+          <p:cNvSpPr txBox="1"/>
+          <p:nvPr>
+            <p:ph idx="1" type="body"/>
+          </p:nvPr>
+        </p:nvSpPr>
+        <p:spPr>
+          <a:xfrm>
+            <a:off x="685800" y="4343400"/>
+            <a:ext cx="5486400" cy="4114800"/>
+          </a:xfrm>
+          <a:prstGeom prst="rect">
+            <a:avLst/>
+          </a:prstGeom>
+        </p:spPr>
+        <p:txBody>
+          <a:bodyPr anchorCtr="0" anchor="t" bIns="91425" lIns="91425" spcFirstLastPara="1" rIns="91425" wrap="square" tIns="91425">
+            <a:noAutofit/>
+          </a:bodyPr>
+          <a:lstStyle/>
+          <a:p>
+            <a:pPr indent="0" lvl="0" marL="0" rtl="0" algn="l">
+              <a:spcBef>
+                <a:spcPts val="0"/>
+              </a:spcBef>
+              <a:spcAft>
+                <a:spcPts val="0"/>
+              </a:spcAft>
+              <a:buNone/>
+            </a:pPr>
+            <a:r>
+              <a:t/>
+            </a:r>
+            <a:endParaRPr/>
+          </a:p>
+        </p:txBody>
+      </p:sp>
+    </p:spTree>
+  </p:cSld>
+  <p:clrMapOvr>
+    <a:masterClrMapping/>
+  </p:clrMapOvr>
+</p:notes>
+</file>
+
+<file path=ppt/notesSlides/notesSlide12.xml><?xml version="1.0" encoding="utf-8"?>
+<p:notes xmlns:a="http://schemas.openxmlformats.org/drawingml/2006/main" xmlns:r="http://schemas.openxmlformats.org/officeDocument/2006/relationships" xmlns:mc="http://schemas.openxmlformats.org/markup-compatibility/2006" xmlns:mv="urn:schemas-microsoft-com:mac:vml" xmlns:p="http://schemas.openxmlformats.org/presentationml/2006/main" xmlns:c="http://schemas.openxmlformats.org/drawingml/2006/chart" xmlns:dgm="http://schemas.openxmlformats.org/drawingml/2006/diagram" xmlns:o="urn:schemas-microsoft-com:office:office" xmlns:v="urn:schemas-microsoft-com:vml" xmlns:pvml="urn:schemas-microsoft-com:office:powerpoint" xmlns:com="http://schemas.openxmlformats.org/drawingml/2006/compatibility" xmlns:p14="http://schemas.microsoft.com/office/powerpoint/2010/main" xmlns:p15="http://schemas.microsoft.com/office/powerpoint/2012/main" xmlns:ahyp="http://schemas.microsoft.com/office/drawing/2018/hyperlinkcolor" showMasterPhAnim="0" showMasterSp="0">
+  <p:cSld>
+    <p:spTree>
+      <p:nvGrpSpPr>
+        <p:cNvPr id="191" name="Shape 191"/>
+        <p:cNvGrpSpPr/>
+        <p:nvPr/>
+      </p:nvGrpSpPr>
+      <p:grpSpPr>
+        <a:xfrm>
+          <a:off x="0" y="0"/>
+          <a:ext cx="0" cy="0"/>
+          <a:chOff x="0" y="0"/>
+          <a:chExt cx="0" cy="0"/>
+        </a:xfrm>
+      </p:grpSpPr>
+      <p:sp>
+        <p:nvSpPr>
+          <p:cNvPr id="192" name="Google Shape;192;g2a60b4bc23a_4_25:notes"/>
+          <p:cNvSpPr/>
+          <p:nvPr>
+            <p:ph idx="2" type="sldImg"/>
+          </p:nvPr>
+        </p:nvSpPr>
+        <p:spPr>
+          <a:xfrm>
+            <a:off x="381300" y="685800"/>
+            <a:ext cx="6096000" cy="3429000"/>
+          </a:xfrm>
+          <a:custGeom>
+            <a:rect b="b" l="l" r="r" t="t"/>
+            <a:pathLst>
+              <a:path extrusionOk="0" h="120000" w="120000">
+                <a:moveTo>
+                  <a:pt x="0" y="0"/>
+                </a:moveTo>
+                <a:lnTo>
+                  <a:pt x="120000" y="0"/>
+                </a:lnTo>
+                <a:lnTo>
+                  <a:pt x="120000" y="120000"/>
+                </a:lnTo>
+                <a:lnTo>
+                  <a:pt x="0" y="120000"/>
+                </a:lnTo>
+                <a:close/>
+              </a:path>
+            </a:pathLst>
+          </a:custGeom>
+        </p:spPr>
+      </p:sp>
+      <p:sp>
+        <p:nvSpPr>
+          <p:cNvPr id="193" name="Google Shape;193;g2a60b4bc23a_4_25:notes"/>
           <p:cNvSpPr txBox="1"/>
           <p:nvPr>
             <p:ph idx="1" type="body"/>
@@ -1615,7 +1715,7 @@
       </p:grpSpPr>
       <p:sp>
         <p:nvSpPr>
-          <p:cNvPr id="167" name="Google Shape;167;g2a60b4bc23a_4_0:notes"/>
+          <p:cNvPr id="167" name="Google Shape;167;g2a60b4bc23a_0_259:notes"/>
           <p:cNvSpPr/>
           <p:nvPr>
             <p:ph idx="2" type="sldImg"/>
@@ -1650,7 +1750,7 @@
       </p:sp>
       <p:sp>
         <p:nvSpPr>
-          <p:cNvPr id="168" name="Google Shape;168;g2a60b4bc23a_4_0:notes"/>
+          <p:cNvPr id="168" name="Google Shape;168;g2a60b4bc23a_0_259:notes"/>
           <p:cNvSpPr txBox="1"/>
           <p:nvPr>
             <p:ph idx="1" type="body"/>
@@ -1714,7 +1814,7 @@
       </p:grpSpPr>
       <p:sp>
         <p:nvSpPr>
-          <p:cNvPr id="173" name="Google Shape;173;g2a60b4bc23a_4_5:notes"/>
+          <p:cNvPr id="173" name="Google Shape;173;g2a60b4bc23a_4_0:notes"/>
           <p:cNvSpPr/>
           <p:nvPr>
             <p:ph idx="2" type="sldImg"/>
@@ -1749,7 +1849,7 @@
       </p:sp>
       <p:sp>
         <p:nvSpPr>
-          <p:cNvPr id="174" name="Google Shape;174;g2a60b4bc23a_4_5:notes"/>
+          <p:cNvPr id="174" name="Google Shape;174;g2a60b4bc23a_4_0:notes"/>
           <p:cNvSpPr txBox="1"/>
           <p:nvPr>
             <p:ph idx="1" type="body"/>
@@ -9988,7 +10088,7 @@
   <p:cSld>
     <p:spTree>
       <p:nvGrpSpPr>
-        <p:cNvPr id="182" name="Shape 182"/>
+        <p:cNvPr id="181" name="Shape 181"/>
         <p:cNvGrpSpPr/>
         <p:nvPr/>
       </p:nvGrpSpPr>
@@ -10002,7 +10102,7 @@
       </p:grpSpPr>
       <p:sp>
         <p:nvSpPr>
-          <p:cNvPr id="183" name="Google Shape;183;p22"/>
+          <p:cNvPr id="182" name="Google Shape;182;p22"/>
           <p:cNvSpPr txBox="1"/>
           <p:nvPr>
             <p:ph type="title"/>
@@ -10010,8 +10110,8 @@
         </p:nvSpPr>
         <p:spPr>
           <a:xfrm>
-            <a:off x="819150" y="845600"/>
-            <a:ext cx="7505700" cy="954600"/>
+            <a:off x="819150" y="567675"/>
+            <a:ext cx="7505700" cy="793200"/>
           </a:xfrm>
           <a:prstGeom prst="rect">
             <a:avLst/>
@@ -10034,7 +10134,7 @@
             </a:pPr>
             <a:r>
               <a:rPr lang="ru"/>
-              <a:t>Заключение</a:t>
+              <a:t>Диаграмма Ганта</a:t>
             </a:r>
             <a:endParaRPr/>
           </a:p>
@@ -10042,7 +10142,7 @@
       </p:sp>
       <p:sp>
         <p:nvSpPr>
-          <p:cNvPr id="184" name="Google Shape;184;p22"/>
+          <p:cNvPr id="183" name="Google Shape;183;p22"/>
           <p:cNvSpPr txBox="1"/>
           <p:nvPr>
             <p:ph idx="1" type="body"/>
@@ -10063,40 +10163,6 @@
           </a:bodyPr>
           <a:lstStyle/>
           <a:p>
-            <a:pPr indent="-323850" lvl="0" marL="457200" rtl="0" algn="just">
-              <a:spcBef>
-                <a:spcPts val="0"/>
-              </a:spcBef>
-              <a:spcAft>
-                <a:spcPts val="0"/>
-              </a:spcAft>
-              <a:buSzPts val="1500"/>
-              <a:buChar char="●"/>
-            </a:pPr>
-            <a:r>
-              <a:rPr lang="ru"/>
-              <a:t>Наше приложение позволяет студентам за короткий промежуток времени получать актуальную информацию из различных научных статей по интересующей их тематике, а также из других источников. </a:t>
-            </a:r>
-            <a:endParaRPr/>
-          </a:p>
-          <a:p>
-            <a:pPr indent="-323850" lvl="0" marL="457200" rtl="0" algn="just">
-              <a:spcBef>
-                <a:spcPts val="0"/>
-              </a:spcBef>
-              <a:spcAft>
-                <a:spcPts val="0"/>
-              </a:spcAft>
-              <a:buSzPts val="1500"/>
-              <a:buChar char="●"/>
-            </a:pPr>
-            <a:r>
-              <a:rPr lang="ru"/>
-              <a:t>Это позволяет экономить больше времени и сил в современном ритме жизни и успевать гораздо больше. </a:t>
-            </a:r>
-            <a:endParaRPr/>
-          </a:p>
-          <a:p>
             <a:pPr indent="0" lvl="0" marL="0" rtl="0" algn="just">
               <a:spcBef>
                 <a:spcPts val="0"/>
@@ -10113,6 +10179,33 @@
           </a:p>
         </p:txBody>
       </p:sp>
+      <p:pic>
+        <p:nvPicPr>
+          <p:cNvPr id="184" name="Google Shape;184;p22"/>
+          <p:cNvPicPr preferRelativeResize="0"/>
+          <p:nvPr/>
+        </p:nvPicPr>
+        <p:blipFill rotWithShape="1">
+          <a:blip r:embed="rId3">
+            <a:alphaModFix/>
+          </a:blip>
+          <a:srcRect b="25239" l="271" r="48477" t="0"/>
+          <a:stretch/>
+        </p:blipFill>
+        <p:spPr>
+          <a:xfrm>
+            <a:off x="819150" y="1360875"/>
+            <a:ext cx="7743098" cy="3275201"/>
+          </a:xfrm>
+          <a:prstGeom prst="rect">
+            <a:avLst/>
+          </a:prstGeom>
+          <a:noFill/>
+          <a:ln>
+            <a:noFill/>
+          </a:ln>
+        </p:spPr>
+      </p:pic>
     </p:spTree>
   </p:cSld>
   <p:clrMapOvr>
@@ -10172,6 +10265,144 @@
             </a:pPr>
             <a:r>
               <a:rPr lang="ru"/>
+              <a:t>Заключение</a:t>
+            </a:r>
+            <a:endParaRPr/>
+          </a:p>
+        </p:txBody>
+      </p:sp>
+      <p:sp>
+        <p:nvSpPr>
+          <p:cNvPr id="190" name="Google Shape;190;p23"/>
+          <p:cNvSpPr txBox="1"/>
+          <p:nvPr>
+            <p:ph idx="1" type="body"/>
+          </p:nvPr>
+        </p:nvSpPr>
+        <p:spPr>
+          <a:xfrm>
+            <a:off x="819150" y="1990725"/>
+            <a:ext cx="7505700" cy="2448000"/>
+          </a:xfrm>
+          <a:prstGeom prst="rect">
+            <a:avLst/>
+          </a:prstGeom>
+        </p:spPr>
+        <p:txBody>
+          <a:bodyPr anchorCtr="0" anchor="t" bIns="91425" lIns="91425" spcFirstLastPara="1" rIns="91425" wrap="square" tIns="91425">
+            <a:normAutofit/>
+          </a:bodyPr>
+          <a:lstStyle/>
+          <a:p>
+            <a:pPr indent="-323850" lvl="0" marL="457200" rtl="0" algn="just">
+              <a:spcBef>
+                <a:spcPts val="0"/>
+              </a:spcBef>
+              <a:spcAft>
+                <a:spcPts val="0"/>
+              </a:spcAft>
+              <a:buSzPts val="1500"/>
+              <a:buChar char="●"/>
+            </a:pPr>
+            <a:r>
+              <a:rPr lang="ru"/>
+              <a:t>Наше приложение позволяет студентам за короткий промежуток времени получать актуальную информацию из различных научных статей по интересующей их тематике, а также из других источников. </a:t>
+            </a:r>
+            <a:endParaRPr/>
+          </a:p>
+          <a:p>
+            <a:pPr indent="-323850" lvl="0" marL="457200" rtl="0" algn="just">
+              <a:spcBef>
+                <a:spcPts val="0"/>
+              </a:spcBef>
+              <a:spcAft>
+                <a:spcPts val="0"/>
+              </a:spcAft>
+              <a:buSzPts val="1500"/>
+              <a:buChar char="●"/>
+            </a:pPr>
+            <a:r>
+              <a:rPr lang="ru"/>
+              <a:t>Это позволяет экономить больше времени и сил в современном ритме жизни и успевать гораздо больше. </a:t>
+            </a:r>
+            <a:endParaRPr/>
+          </a:p>
+          <a:p>
+            <a:pPr indent="0" lvl="0" marL="0" rtl="0" algn="just">
+              <a:spcBef>
+                <a:spcPts val="0"/>
+              </a:spcBef>
+              <a:spcAft>
+                <a:spcPts val="0"/>
+              </a:spcAft>
+              <a:buNone/>
+            </a:pPr>
+            <a:r>
+              <a:t/>
+            </a:r>
+            <a:endParaRPr/>
+          </a:p>
+        </p:txBody>
+      </p:sp>
+    </p:spTree>
+  </p:cSld>
+  <p:clrMapOvr>
+    <a:masterClrMapping/>
+  </p:clrMapOvr>
+</p:sld>
+</file>
+
+<file path=ppt/slides/slide12.xml><?xml version="1.0" encoding="utf-8"?>
+<p:sld xmlns:a="http://schemas.openxmlformats.org/drawingml/2006/main" xmlns:r="http://schemas.openxmlformats.org/officeDocument/2006/relationships" xmlns:mc="http://schemas.openxmlformats.org/markup-compatibility/2006" xmlns:mv="urn:schemas-microsoft-com:mac:vml" xmlns:p="http://schemas.openxmlformats.org/presentationml/2006/main" xmlns:c="http://schemas.openxmlformats.org/drawingml/2006/chart" xmlns:dgm="http://schemas.openxmlformats.org/drawingml/2006/diagram" xmlns:o="urn:schemas-microsoft-com:office:office" xmlns:v="urn:schemas-microsoft-com:vml" xmlns:pvml="urn:schemas-microsoft-com:office:powerpoint" xmlns:com="http://schemas.openxmlformats.org/drawingml/2006/compatibility" xmlns:p14="http://schemas.microsoft.com/office/powerpoint/2010/main" xmlns:p15="http://schemas.microsoft.com/office/powerpoint/2012/main" xmlns:ahyp="http://schemas.microsoft.com/office/drawing/2018/hyperlinkcolor">
+  <p:cSld>
+    <p:spTree>
+      <p:nvGrpSpPr>
+        <p:cNvPr id="194" name="Shape 194"/>
+        <p:cNvGrpSpPr/>
+        <p:nvPr/>
+      </p:nvGrpSpPr>
+      <p:grpSpPr>
+        <a:xfrm>
+          <a:off x="0" y="0"/>
+          <a:ext cx="0" cy="0"/>
+          <a:chOff x="0" y="0"/>
+          <a:chExt cx="0" cy="0"/>
+        </a:xfrm>
+      </p:grpSpPr>
+      <p:sp>
+        <p:nvSpPr>
+          <p:cNvPr id="195" name="Google Shape;195;p24"/>
+          <p:cNvSpPr txBox="1"/>
+          <p:nvPr>
+            <p:ph type="title"/>
+          </p:nvPr>
+        </p:nvSpPr>
+        <p:spPr>
+          <a:xfrm>
+            <a:off x="819150" y="845600"/>
+            <a:ext cx="7505700" cy="954600"/>
+          </a:xfrm>
+          <a:prstGeom prst="rect">
+            <a:avLst/>
+          </a:prstGeom>
+        </p:spPr>
+        <p:txBody>
+          <a:bodyPr anchorCtr="0" anchor="t" bIns="91425" lIns="91425" spcFirstLastPara="1" rIns="91425" wrap="square" tIns="91425">
+            <a:normAutofit/>
+          </a:bodyPr>
+          <a:lstStyle/>
+          <a:p>
+            <a:pPr indent="0" lvl="0" marL="0" rtl="0" algn="l">
+              <a:spcBef>
+                <a:spcPts val="0"/>
+              </a:spcBef>
+              <a:spcAft>
+                <a:spcPts val="0"/>
+              </a:spcAft>
+              <a:buNone/>
+            </a:pPr>
+            <a:r>
+              <a:rPr lang="ru"/>
               <a:t>Рефлексия</a:t>
             </a:r>
             <a:endParaRPr/>
@@ -10180,7 +10411,7 @@
       </p:sp>
       <p:sp>
         <p:nvSpPr>
-          <p:cNvPr id="190" name="Google Shape;190;p23"/>
+          <p:cNvPr id="196" name="Google Shape;196;p24"/>
           <p:cNvSpPr txBox="1"/>
           <p:nvPr>
             <p:ph idx="1" type="body"/>
@@ -11610,121 +11841,2837 @@
             </a:pPr>
             <a:r>
               <a:rPr lang="ru"/>
-              <a:t>Планирование и организация</a:t>
+              <a:t>Выбор моделей</a:t>
             </a:r>
             <a:endParaRPr/>
           </a:p>
         </p:txBody>
       </p:sp>
-      <p:sp>
-        <p:nvSpPr>
+      <p:graphicFrame>
+        <p:nvGraphicFramePr>
           <p:cNvPr id="171" name="Google Shape;171;p20"/>
-          <p:cNvSpPr txBox="1"/>
-          <p:nvPr>
-            <p:ph idx="1" type="body"/>
-          </p:nvPr>
-        </p:nvSpPr>
-        <p:spPr>
-          <a:xfrm>
-            <a:off x="819150" y="1990725"/>
-            <a:ext cx="7505700" cy="2448000"/>
-          </a:xfrm>
-          <a:prstGeom prst="rect">
-            <a:avLst/>
-          </a:prstGeom>
-        </p:spPr>
-        <p:txBody>
-          <a:bodyPr anchorCtr="0" anchor="t" bIns="91425" lIns="91425" spcFirstLastPara="1" rIns="91425" wrap="square" tIns="91425">
-            <a:normAutofit/>
-          </a:bodyPr>
-          <a:lstStyle/>
-          <a:p>
-            <a:pPr indent="-336550" lvl="0" marL="457200" rtl="0" algn="l">
-              <a:spcBef>
-                <a:spcPts val="0"/>
-              </a:spcBef>
-              <a:spcAft>
-                <a:spcPts val="0"/>
-              </a:spcAft>
-              <a:buSzPts val="1700"/>
-              <a:buChar char="●"/>
-            </a:pPr>
-            <a:r>
-              <a:rPr lang="ru"/>
-              <a:t>08.12.23 -  Составление плана действий, описание и распределение задач и ответственных, организация работы команды</a:t>
-            </a:r>
-            <a:endParaRPr/>
-          </a:p>
-          <a:p>
-            <a:pPr indent="-323850" lvl="0" marL="457200" rtl="0" algn="l">
-              <a:spcBef>
-                <a:spcPts val="0"/>
-              </a:spcBef>
-              <a:spcAft>
-                <a:spcPts val="0"/>
-              </a:spcAft>
-              <a:buSzPts val="1500"/>
-              <a:buChar char="●"/>
-            </a:pPr>
-            <a:r>
-              <a:rPr lang="ru"/>
-              <a:t>11.12.23 - Анализ существующих библиотек и решений для разработки приложения</a:t>
-            </a:r>
-            <a:endParaRPr/>
-          </a:p>
-          <a:p>
-            <a:pPr indent="-323850" lvl="0" marL="457200" rtl="0" algn="l">
-              <a:spcBef>
-                <a:spcPts val="0"/>
-              </a:spcBef>
-              <a:spcAft>
-                <a:spcPts val="0"/>
-              </a:spcAft>
-              <a:buSzPts val="1500"/>
-              <a:buChar char="●"/>
-            </a:pPr>
-            <a:r>
-              <a:rPr lang="ru"/>
-              <a:t>17.12.23 -  Разработка приложения и его развертывание</a:t>
-            </a:r>
-            <a:endParaRPr/>
-          </a:p>
-          <a:p>
-            <a:pPr indent="-323850" lvl="0" marL="457200" rtl="0" algn="l">
-              <a:spcBef>
-                <a:spcPts val="0"/>
-              </a:spcBef>
-              <a:spcAft>
-                <a:spcPts val="0"/>
-              </a:spcAft>
-              <a:buSzPts val="1500"/>
-              <a:buChar char="●"/>
-            </a:pPr>
-            <a:r>
-              <a:rPr lang="ru"/>
-              <a:t>19.12.23 - Тестирование приложения</a:t>
-            </a:r>
-            <a:endParaRPr/>
-          </a:p>
-          <a:p>
-            <a:pPr indent="-323850" lvl="0" marL="457200" rtl="0" algn="l">
-              <a:spcBef>
-                <a:spcPts val="0"/>
-              </a:spcBef>
-              <a:spcAft>
-                <a:spcPts val="0"/>
-              </a:spcAft>
-              <a:buSzPts val="1500"/>
-              <a:buChar char="●"/>
-            </a:pPr>
-            <a:r>
-              <a:rPr lang="ru"/>
-              <a:t>21.12.23 - Презентация решения</a:t>
-            </a:r>
-            <a:endParaRPr/>
-          </a:p>
-        </p:txBody>
-      </p:sp>
+          <p:cNvGraphicFramePr/>
+          <p:nvPr/>
+        </p:nvGraphicFramePr>
+        <p:xfrm>
+          <a:off x="1172350" y="1660475"/>
+          <a:ext cx="3000000" cy="3000000"/>
+        </p:xfrm>
+        <a:graphic>
+          <a:graphicData uri="http://schemas.openxmlformats.org/drawingml/2006/table">
+            <a:tbl>
+              <a:tblPr>
+                <a:noFill/>
+                <a:tableStyleId>{78389539-2F79-46A2-9750-5151557B6285}</a:tableStyleId>
+              </a:tblPr>
+              <a:tblGrid>
+                <a:gridCol w="2876550"/>
+                <a:gridCol w="952500"/>
+                <a:gridCol w="1143000"/>
+                <a:gridCol w="1657350"/>
+              </a:tblGrid>
+              <a:tr h="333375">
+                <a:tc>
+                  <a:txBody>
+                    <a:bodyPr/>
+                    <a:lstStyle/>
+                    <a:p>
+                      <a:pPr indent="0" lvl="0" marL="0" rtl="0" algn="l">
+                        <a:lnSpc>
+                          <a:spcPct val="115000"/>
+                        </a:lnSpc>
+                        <a:spcBef>
+                          <a:spcPts val="0"/>
+                        </a:spcBef>
+                        <a:spcAft>
+                          <a:spcPts val="0"/>
+                        </a:spcAft>
+                        <a:buNone/>
+                      </a:pPr>
+                      <a:r>
+                        <a:rPr lang="ru" sz="1000"/>
+                        <a:t>Название модели</a:t>
+                      </a:r>
+                      <a:endParaRPr sz="1000"/>
+                    </a:p>
+                  </a:txBody>
+                  <a:tcPr marT="19050" marB="19050" marR="28575" marL="28575" anchor="b">
+                    <a:lnL cap="flat" cmpd="sng" w="9525">
+                      <a:solidFill>
+                        <a:srgbClr val="000000"/>
+                      </a:solidFill>
+                      <a:prstDash val="solid"/>
+                      <a:round/>
+                      <a:headEnd len="sm" w="sm" type="none"/>
+                      <a:tailEnd len="sm" w="sm" type="none"/>
+                    </a:lnL>
+                    <a:lnR cap="flat" cmpd="sng" w="9525">
+                      <a:solidFill>
+                        <a:srgbClr val="000000"/>
+                      </a:solidFill>
+                      <a:prstDash val="solid"/>
+                      <a:round/>
+                      <a:headEnd len="sm" w="sm" type="none"/>
+                      <a:tailEnd len="sm" w="sm" type="none"/>
+                    </a:lnR>
+                    <a:lnT cap="flat" cmpd="sng" w="9525">
+                      <a:solidFill>
+                        <a:srgbClr val="000000"/>
+                      </a:solidFill>
+                      <a:prstDash val="solid"/>
+                      <a:round/>
+                      <a:headEnd len="sm" w="sm" type="none"/>
+                      <a:tailEnd len="sm" w="sm" type="none"/>
+                    </a:lnT>
+                    <a:lnB cap="flat" cmpd="sng" w="9525">
+                      <a:solidFill>
+                        <a:srgbClr val="000000"/>
+                      </a:solidFill>
+                      <a:prstDash val="solid"/>
+                      <a:round/>
+                      <a:headEnd len="sm" w="sm" type="none"/>
+                      <a:tailEnd len="sm" w="sm" type="none"/>
+                    </a:lnB>
+                  </a:tcPr>
+                </a:tc>
+                <a:tc>
+                  <a:txBody>
+                    <a:bodyPr/>
+                    <a:lstStyle/>
+                    <a:p>
+                      <a:pPr indent="0" lvl="0" marL="0" rtl="0" algn="l">
+                        <a:lnSpc>
+                          <a:spcPct val="115000"/>
+                        </a:lnSpc>
+                        <a:spcBef>
+                          <a:spcPts val="0"/>
+                        </a:spcBef>
+                        <a:spcAft>
+                          <a:spcPts val="0"/>
+                        </a:spcAft>
+                        <a:buNone/>
+                      </a:pPr>
+                      <a:r>
+                        <a:rPr lang="ru" sz="1000"/>
+                        <a:t>Вес модели</a:t>
+                      </a:r>
+                      <a:endParaRPr sz="1000"/>
+                    </a:p>
+                  </a:txBody>
+                  <a:tcPr marT="19050" marB="19050" marR="28575" marL="28575" anchor="b">
+                    <a:lnL cap="flat" cmpd="sng" w="9525">
+                      <a:solidFill>
+                        <a:srgbClr val="000000"/>
+                      </a:solidFill>
+                      <a:prstDash val="solid"/>
+                      <a:round/>
+                      <a:headEnd len="sm" w="sm" type="none"/>
+                      <a:tailEnd len="sm" w="sm" type="none"/>
+                    </a:lnL>
+                    <a:lnR cap="flat" cmpd="sng" w="9525">
+                      <a:solidFill>
+                        <a:srgbClr val="000000"/>
+                      </a:solidFill>
+                      <a:prstDash val="solid"/>
+                      <a:round/>
+                      <a:headEnd len="sm" w="sm" type="none"/>
+                      <a:tailEnd len="sm" w="sm" type="none"/>
+                    </a:lnR>
+                    <a:lnT cap="flat" cmpd="sng" w="9525">
+                      <a:solidFill>
+                        <a:srgbClr val="000000"/>
+                      </a:solidFill>
+                      <a:prstDash val="solid"/>
+                      <a:round/>
+                      <a:headEnd len="sm" w="sm" type="none"/>
+                      <a:tailEnd len="sm" w="sm" type="none"/>
+                    </a:lnT>
+                    <a:lnB cap="flat" cmpd="sng" w="9525">
+                      <a:solidFill>
+                        <a:srgbClr val="000000"/>
+                      </a:solidFill>
+                      <a:prstDash val="solid"/>
+                      <a:round/>
+                      <a:headEnd len="sm" w="sm" type="none"/>
+                      <a:tailEnd len="sm" w="sm" type="none"/>
+                    </a:lnB>
+                  </a:tcPr>
+                </a:tc>
+                <a:tc>
+                  <a:txBody>
+                    <a:bodyPr/>
+                    <a:lstStyle/>
+                    <a:p>
+                      <a:pPr indent="0" lvl="0" marL="0" rtl="0" algn="l">
+                        <a:lnSpc>
+                          <a:spcPct val="115000"/>
+                        </a:lnSpc>
+                        <a:spcBef>
+                          <a:spcPts val="0"/>
+                        </a:spcBef>
+                        <a:spcAft>
+                          <a:spcPts val="0"/>
+                        </a:spcAft>
+                        <a:buNone/>
+                      </a:pPr>
+                      <a:r>
+                        <a:rPr lang="ru" sz="1000"/>
+                        <a:t>Точность модели</a:t>
+                      </a:r>
+                      <a:endParaRPr sz="1000"/>
+                    </a:p>
+                  </a:txBody>
+                  <a:tcPr marT="19050" marB="19050" marR="28575" marL="28575" anchor="b">
+                    <a:lnL cap="flat" cmpd="sng" w="9525">
+                      <a:solidFill>
+                        <a:srgbClr val="000000"/>
+                      </a:solidFill>
+                      <a:prstDash val="solid"/>
+                      <a:round/>
+                      <a:headEnd len="sm" w="sm" type="none"/>
+                      <a:tailEnd len="sm" w="sm" type="none"/>
+                    </a:lnL>
+                    <a:lnR cap="flat" cmpd="sng" w="9525">
+                      <a:solidFill>
+                        <a:srgbClr val="000000"/>
+                      </a:solidFill>
+                      <a:prstDash val="solid"/>
+                      <a:round/>
+                      <a:headEnd len="sm" w="sm" type="none"/>
+                      <a:tailEnd len="sm" w="sm" type="none"/>
+                    </a:lnR>
+                    <a:lnT cap="flat" cmpd="sng" w="9525">
+                      <a:solidFill>
+                        <a:srgbClr val="000000"/>
+                      </a:solidFill>
+                      <a:prstDash val="solid"/>
+                      <a:round/>
+                      <a:headEnd len="sm" w="sm" type="none"/>
+                      <a:tailEnd len="sm" w="sm" type="none"/>
+                    </a:lnT>
+                    <a:lnB cap="flat" cmpd="sng" w="9525">
+                      <a:solidFill>
+                        <a:srgbClr val="000000"/>
+                      </a:solidFill>
+                      <a:prstDash val="solid"/>
+                      <a:round/>
+                      <a:headEnd len="sm" w="sm" type="none"/>
+                      <a:tailEnd len="sm" w="sm" type="none"/>
+                    </a:lnB>
+                  </a:tcPr>
+                </a:tc>
+                <a:tc>
+                  <a:txBody>
+                    <a:bodyPr/>
+                    <a:lstStyle/>
+                    <a:p>
+                      <a:pPr indent="0" lvl="0" marL="0" rtl="0" algn="l">
+                        <a:lnSpc>
+                          <a:spcPct val="115000"/>
+                        </a:lnSpc>
+                        <a:spcBef>
+                          <a:spcPts val="0"/>
+                        </a:spcBef>
+                        <a:spcAft>
+                          <a:spcPts val="0"/>
+                        </a:spcAft>
+                        <a:buNone/>
+                      </a:pPr>
+                      <a:r>
+                        <a:rPr lang="ru" sz="1000"/>
+                        <a:t>Количество скачиваний за последний месяц</a:t>
+                      </a:r>
+                      <a:endParaRPr sz="1000"/>
+                    </a:p>
+                  </a:txBody>
+                  <a:tcPr marT="19050" marB="19050" marR="28575" marL="28575" anchor="b">
+                    <a:lnL cap="flat" cmpd="sng" w="9525">
+                      <a:solidFill>
+                        <a:srgbClr val="000000"/>
+                      </a:solidFill>
+                      <a:prstDash val="solid"/>
+                      <a:round/>
+                      <a:headEnd len="sm" w="sm" type="none"/>
+                      <a:tailEnd len="sm" w="sm" type="none"/>
+                    </a:lnL>
+                    <a:lnR cap="flat" cmpd="sng" w="9525">
+                      <a:solidFill>
+                        <a:srgbClr val="000000"/>
+                      </a:solidFill>
+                      <a:prstDash val="solid"/>
+                      <a:round/>
+                      <a:headEnd len="sm" w="sm" type="none"/>
+                      <a:tailEnd len="sm" w="sm" type="none"/>
+                    </a:lnR>
+                    <a:lnT cap="flat" cmpd="sng" w="9525">
+                      <a:solidFill>
+                        <a:srgbClr val="000000"/>
+                      </a:solidFill>
+                      <a:prstDash val="solid"/>
+                      <a:round/>
+                      <a:headEnd len="sm" w="sm" type="none"/>
+                      <a:tailEnd len="sm" w="sm" type="none"/>
+                    </a:lnT>
+                    <a:lnB cap="flat" cmpd="sng" w="9525">
+                      <a:solidFill>
+                        <a:srgbClr val="000000"/>
+                      </a:solidFill>
+                      <a:prstDash val="solid"/>
+                      <a:round/>
+                      <a:headEnd len="sm" w="sm" type="none"/>
+                      <a:tailEnd len="sm" w="sm" type="none"/>
+                    </a:lnB>
+                  </a:tcPr>
+                </a:tc>
+              </a:tr>
+              <a:tr h="200025">
+                <a:tc gridSpan="3">
+                  <a:txBody>
+                    <a:bodyPr/>
+                    <a:lstStyle/>
+                    <a:p>
+                      <a:pPr indent="0" lvl="0" marL="0" rtl="0" algn="ctr">
+                        <a:lnSpc>
+                          <a:spcPct val="115000"/>
+                        </a:lnSpc>
+                        <a:spcBef>
+                          <a:spcPts val="0"/>
+                        </a:spcBef>
+                        <a:spcAft>
+                          <a:spcPts val="0"/>
+                        </a:spcAft>
+                        <a:buNone/>
+                      </a:pPr>
+                      <a:r>
+                        <a:rPr b="1" lang="ru" sz="1000"/>
+                        <a:t>Переводчик</a:t>
+                      </a:r>
+                      <a:endParaRPr b="1" sz="1000"/>
+                    </a:p>
+                  </a:txBody>
+                  <a:tcPr marT="19050" marB="19050" marR="28575" marL="28575" anchor="b">
+                    <a:lnL cap="flat" cmpd="sng" w="9525">
+                      <a:solidFill>
+                        <a:srgbClr val="000000"/>
+                      </a:solidFill>
+                      <a:prstDash val="solid"/>
+                      <a:round/>
+                      <a:headEnd len="sm" w="sm" type="none"/>
+                      <a:tailEnd len="sm" w="sm" type="none"/>
+                    </a:lnL>
+                    <a:lnR cap="flat" cmpd="sng" w="9525">
+                      <a:solidFill>
+                        <a:srgbClr val="000000"/>
+                      </a:solidFill>
+                      <a:prstDash val="solid"/>
+                      <a:round/>
+                      <a:headEnd len="sm" w="sm" type="none"/>
+                      <a:tailEnd len="sm" w="sm" type="none"/>
+                    </a:lnR>
+                    <a:lnT cap="flat" cmpd="sng" w="9525">
+                      <a:solidFill>
+                        <a:srgbClr val="000000"/>
+                      </a:solidFill>
+                      <a:prstDash val="solid"/>
+                      <a:round/>
+                      <a:headEnd len="sm" w="sm" type="none"/>
+                      <a:tailEnd len="sm" w="sm" type="none"/>
+                    </a:lnT>
+                    <a:lnB cap="flat" cmpd="sng" w="9525">
+                      <a:solidFill>
+                        <a:srgbClr val="000000"/>
+                      </a:solidFill>
+                      <a:prstDash val="solid"/>
+                      <a:round/>
+                      <a:headEnd len="sm" w="sm" type="none"/>
+                      <a:tailEnd len="sm" w="sm" type="none"/>
+                    </a:lnB>
+                  </a:tcPr>
+                </a:tc>
+                <a:tc hMerge="1"/>
+                <a:tc hMerge="1"/>
+                <a:tc>
+                  <a:txBody>
+                    <a:bodyPr/>
+                    <a:lstStyle/>
+                    <a:p>
+                      <a:pPr indent="0" lvl="0" marL="0" rtl="0" algn="l">
+                        <a:spcBef>
+                          <a:spcPts val="0"/>
+                        </a:spcBef>
+                        <a:spcAft>
+                          <a:spcPts val="0"/>
+                        </a:spcAft>
+                        <a:buNone/>
+                      </a:pPr>
+                      <a:r>
+                        <a:t/>
+                      </a:r>
+                      <a:endParaRPr/>
+                    </a:p>
+                  </a:txBody>
+                  <a:tcPr marT="19050" marB="19050" marR="28575" marL="28575" anchor="b">
+                    <a:lnL cap="flat" cmpd="sng" w="9525">
+                      <a:solidFill>
+                        <a:srgbClr val="000000"/>
+                      </a:solidFill>
+                      <a:prstDash val="solid"/>
+                      <a:round/>
+                      <a:headEnd len="sm" w="sm" type="none"/>
+                      <a:tailEnd len="sm" w="sm" type="none"/>
+                    </a:lnL>
+                    <a:lnR cap="flat" cmpd="sng" w="9525">
+                      <a:solidFill>
+                        <a:srgbClr val="000000"/>
+                      </a:solidFill>
+                      <a:prstDash val="solid"/>
+                      <a:round/>
+                      <a:headEnd len="sm" w="sm" type="none"/>
+                      <a:tailEnd len="sm" w="sm" type="none"/>
+                    </a:lnR>
+                    <a:lnT cap="flat" cmpd="sng" w="9525">
+                      <a:solidFill>
+                        <a:srgbClr val="000000"/>
+                      </a:solidFill>
+                      <a:prstDash val="solid"/>
+                      <a:round/>
+                      <a:headEnd len="sm" w="sm" type="none"/>
+                      <a:tailEnd len="sm" w="sm" type="none"/>
+                    </a:lnT>
+                    <a:lnB cap="flat" cmpd="sng" w="9525">
+                      <a:solidFill>
+                        <a:srgbClr val="000000"/>
+                      </a:solidFill>
+                      <a:prstDash val="solid"/>
+                      <a:round/>
+                      <a:headEnd len="sm" w="sm" type="none"/>
+                      <a:tailEnd len="sm" w="sm" type="none"/>
+                    </a:lnB>
+                  </a:tcPr>
+                </a:tc>
+              </a:tr>
+              <a:tr h="200025">
+                <a:tc>
+                  <a:txBody>
+                    <a:bodyPr/>
+                    <a:lstStyle/>
+                    <a:p>
+                      <a:pPr indent="0" lvl="0" marL="0" rtl="0" algn="l">
+                        <a:lnSpc>
+                          <a:spcPct val="115000"/>
+                        </a:lnSpc>
+                        <a:spcBef>
+                          <a:spcPts val="0"/>
+                        </a:spcBef>
+                        <a:spcAft>
+                          <a:spcPts val="0"/>
+                        </a:spcAft>
+                        <a:buNone/>
+                      </a:pPr>
+                      <a:r>
+                        <a:rPr lang="ru" sz="1000"/>
+                        <a:t>jbochi/madlad400-3b-mt</a:t>
+                      </a:r>
+                      <a:endParaRPr sz="1000"/>
+                    </a:p>
+                  </a:txBody>
+                  <a:tcPr marT="19050" marB="19050" marR="28575" marL="28575" anchor="b">
+                    <a:lnL cap="flat" cmpd="sng" w="9525">
+                      <a:solidFill>
+                        <a:srgbClr val="000000"/>
+                      </a:solidFill>
+                      <a:prstDash val="solid"/>
+                      <a:round/>
+                      <a:headEnd len="sm" w="sm" type="none"/>
+                      <a:tailEnd len="sm" w="sm" type="none"/>
+                    </a:lnL>
+                    <a:lnR cap="flat" cmpd="sng" w="9525">
+                      <a:solidFill>
+                        <a:srgbClr val="000000"/>
+                      </a:solidFill>
+                      <a:prstDash val="solid"/>
+                      <a:round/>
+                      <a:headEnd len="sm" w="sm" type="none"/>
+                      <a:tailEnd len="sm" w="sm" type="none"/>
+                    </a:lnR>
+                    <a:lnT cap="flat" cmpd="sng" w="9525">
+                      <a:solidFill>
+                        <a:srgbClr val="000000"/>
+                      </a:solidFill>
+                      <a:prstDash val="solid"/>
+                      <a:round/>
+                      <a:headEnd len="sm" w="sm" type="none"/>
+                      <a:tailEnd len="sm" w="sm" type="none"/>
+                    </a:lnT>
+                    <a:lnB cap="flat" cmpd="sng" w="9525">
+                      <a:solidFill>
+                        <a:srgbClr val="000000"/>
+                      </a:solidFill>
+                      <a:prstDash val="solid"/>
+                      <a:round/>
+                      <a:headEnd len="sm" w="sm" type="none"/>
+                      <a:tailEnd len="sm" w="sm" type="none"/>
+                    </a:lnB>
+                  </a:tcPr>
+                </a:tc>
+                <a:tc>
+                  <a:txBody>
+                    <a:bodyPr/>
+                    <a:lstStyle/>
+                    <a:p>
+                      <a:pPr indent="0" lvl="0" marL="0" rtl="0" algn="l">
+                        <a:lnSpc>
+                          <a:spcPct val="115000"/>
+                        </a:lnSpc>
+                        <a:spcBef>
+                          <a:spcPts val="0"/>
+                        </a:spcBef>
+                        <a:spcAft>
+                          <a:spcPts val="0"/>
+                        </a:spcAft>
+                        <a:buNone/>
+                      </a:pPr>
+                      <a:r>
+                        <a:rPr lang="ru" sz="1000"/>
+                        <a:t>1.65 GB</a:t>
+                      </a:r>
+                      <a:endParaRPr sz="1000"/>
+                    </a:p>
+                  </a:txBody>
+                  <a:tcPr marT="19050" marB="19050" marR="28575" marL="28575" anchor="b">
+                    <a:lnL cap="flat" cmpd="sng" w="9525">
+                      <a:solidFill>
+                        <a:srgbClr val="000000"/>
+                      </a:solidFill>
+                      <a:prstDash val="solid"/>
+                      <a:round/>
+                      <a:headEnd len="sm" w="sm" type="none"/>
+                      <a:tailEnd len="sm" w="sm" type="none"/>
+                    </a:lnL>
+                    <a:lnR cap="flat" cmpd="sng" w="9525">
+                      <a:solidFill>
+                        <a:srgbClr val="000000"/>
+                      </a:solidFill>
+                      <a:prstDash val="solid"/>
+                      <a:round/>
+                      <a:headEnd len="sm" w="sm" type="none"/>
+                      <a:tailEnd len="sm" w="sm" type="none"/>
+                    </a:lnR>
+                    <a:lnT cap="flat" cmpd="sng" w="9525">
+                      <a:solidFill>
+                        <a:srgbClr val="000000"/>
+                      </a:solidFill>
+                      <a:prstDash val="solid"/>
+                      <a:round/>
+                      <a:headEnd len="sm" w="sm" type="none"/>
+                      <a:tailEnd len="sm" w="sm" type="none"/>
+                    </a:lnT>
+                    <a:lnB cap="flat" cmpd="sng" w="9525">
+                      <a:solidFill>
+                        <a:srgbClr val="000000"/>
+                      </a:solidFill>
+                      <a:prstDash val="solid"/>
+                      <a:round/>
+                      <a:headEnd len="sm" w="sm" type="none"/>
+                      <a:tailEnd len="sm" w="sm" type="none"/>
+                    </a:lnB>
+                    <a:solidFill>
+                      <a:srgbClr val="FFFFFF"/>
+                    </a:solidFill>
+                  </a:tcPr>
+                </a:tc>
+                <a:tc>
+                  <a:txBody>
+                    <a:bodyPr/>
+                    <a:lstStyle/>
+                    <a:p>
+                      <a:pPr indent="0" lvl="0" marL="0" rtl="0" algn="l">
+                        <a:lnSpc>
+                          <a:spcPct val="115000"/>
+                        </a:lnSpc>
+                        <a:spcBef>
+                          <a:spcPts val="0"/>
+                        </a:spcBef>
+                        <a:spcAft>
+                          <a:spcPts val="0"/>
+                        </a:spcAft>
+                        <a:buNone/>
+                      </a:pPr>
+                      <a:r>
+                        <a:rPr lang="ru" sz="1000"/>
+                        <a:t>0.66</a:t>
+                      </a:r>
+                      <a:endParaRPr sz="1000"/>
+                    </a:p>
+                  </a:txBody>
+                  <a:tcPr marT="19050" marB="19050" marR="28575" marL="28575" anchor="b">
+                    <a:lnL cap="flat" cmpd="sng" w="9525">
+                      <a:solidFill>
+                        <a:srgbClr val="000000"/>
+                      </a:solidFill>
+                      <a:prstDash val="solid"/>
+                      <a:round/>
+                      <a:headEnd len="sm" w="sm" type="none"/>
+                      <a:tailEnd len="sm" w="sm" type="none"/>
+                    </a:lnL>
+                    <a:lnR cap="flat" cmpd="sng" w="9525">
+                      <a:solidFill>
+                        <a:srgbClr val="000000"/>
+                      </a:solidFill>
+                      <a:prstDash val="solid"/>
+                      <a:round/>
+                      <a:headEnd len="sm" w="sm" type="none"/>
+                      <a:tailEnd len="sm" w="sm" type="none"/>
+                    </a:lnR>
+                    <a:lnT cap="flat" cmpd="sng" w="9525">
+                      <a:solidFill>
+                        <a:srgbClr val="000000"/>
+                      </a:solidFill>
+                      <a:prstDash val="solid"/>
+                      <a:round/>
+                      <a:headEnd len="sm" w="sm" type="none"/>
+                      <a:tailEnd len="sm" w="sm" type="none"/>
+                    </a:lnT>
+                    <a:lnB cap="flat" cmpd="sng" w="9525">
+                      <a:solidFill>
+                        <a:srgbClr val="000000"/>
+                      </a:solidFill>
+                      <a:prstDash val="solid"/>
+                      <a:round/>
+                      <a:headEnd len="sm" w="sm" type="none"/>
+                      <a:tailEnd len="sm" w="sm" type="none"/>
+                    </a:lnB>
+                  </a:tcPr>
+                </a:tc>
+                <a:tc>
+                  <a:txBody>
+                    <a:bodyPr/>
+                    <a:lstStyle/>
+                    <a:p>
+                      <a:pPr indent="0" lvl="0" marL="0" rtl="0" algn="r">
+                        <a:lnSpc>
+                          <a:spcPct val="115000"/>
+                        </a:lnSpc>
+                        <a:spcBef>
+                          <a:spcPts val="0"/>
+                        </a:spcBef>
+                        <a:spcAft>
+                          <a:spcPts val="0"/>
+                        </a:spcAft>
+                        <a:buNone/>
+                      </a:pPr>
+                      <a:r>
+                        <a:rPr lang="ru" sz="1000"/>
+                        <a:t>16623</a:t>
+                      </a:r>
+                      <a:endParaRPr sz="1000"/>
+                    </a:p>
+                  </a:txBody>
+                  <a:tcPr marT="19050" marB="19050" marR="28575" marL="28575" anchor="b">
+                    <a:lnL cap="flat" cmpd="sng" w="9525">
+                      <a:solidFill>
+                        <a:srgbClr val="000000"/>
+                      </a:solidFill>
+                      <a:prstDash val="solid"/>
+                      <a:round/>
+                      <a:headEnd len="sm" w="sm" type="none"/>
+                      <a:tailEnd len="sm" w="sm" type="none"/>
+                    </a:lnL>
+                    <a:lnR cap="flat" cmpd="sng" w="9525">
+                      <a:solidFill>
+                        <a:srgbClr val="000000"/>
+                      </a:solidFill>
+                      <a:prstDash val="solid"/>
+                      <a:round/>
+                      <a:headEnd len="sm" w="sm" type="none"/>
+                      <a:tailEnd len="sm" w="sm" type="none"/>
+                    </a:lnR>
+                    <a:lnT cap="flat" cmpd="sng" w="9525">
+                      <a:solidFill>
+                        <a:srgbClr val="000000"/>
+                      </a:solidFill>
+                      <a:prstDash val="solid"/>
+                      <a:round/>
+                      <a:headEnd len="sm" w="sm" type="none"/>
+                      <a:tailEnd len="sm" w="sm" type="none"/>
+                    </a:lnT>
+                    <a:lnB cap="flat" cmpd="sng" w="9525">
+                      <a:solidFill>
+                        <a:srgbClr val="000000"/>
+                      </a:solidFill>
+                      <a:prstDash val="solid"/>
+                      <a:round/>
+                      <a:headEnd len="sm" w="sm" type="none"/>
+                      <a:tailEnd len="sm" w="sm" type="none"/>
+                    </a:lnB>
+                  </a:tcPr>
+                </a:tc>
+              </a:tr>
+              <a:tr h="200025">
+                <a:tc>
+                  <a:txBody>
+                    <a:bodyPr/>
+                    <a:lstStyle/>
+                    <a:p>
+                      <a:pPr indent="0" lvl="0" marL="0" rtl="0" algn="l">
+                        <a:lnSpc>
+                          <a:spcPct val="115000"/>
+                        </a:lnSpc>
+                        <a:spcBef>
+                          <a:spcPts val="0"/>
+                        </a:spcBef>
+                        <a:spcAft>
+                          <a:spcPts val="0"/>
+                        </a:spcAft>
+                        <a:buNone/>
+                      </a:pPr>
+                      <a:r>
+                        <a:rPr lang="ru" sz="1000"/>
+                        <a:t>facebook/nllb-200-distilled-600M</a:t>
+                      </a:r>
+                      <a:endParaRPr sz="1000"/>
+                    </a:p>
+                  </a:txBody>
+                  <a:tcPr marT="19050" marB="19050" marR="28575" marL="28575" anchor="b">
+                    <a:lnL cap="flat" cmpd="sng" w="9525">
+                      <a:solidFill>
+                        <a:srgbClr val="000000"/>
+                      </a:solidFill>
+                      <a:prstDash val="solid"/>
+                      <a:round/>
+                      <a:headEnd len="sm" w="sm" type="none"/>
+                      <a:tailEnd len="sm" w="sm" type="none"/>
+                    </a:lnL>
+                    <a:lnR cap="flat" cmpd="sng" w="9525">
+                      <a:solidFill>
+                        <a:srgbClr val="000000"/>
+                      </a:solidFill>
+                      <a:prstDash val="solid"/>
+                      <a:round/>
+                      <a:headEnd len="sm" w="sm" type="none"/>
+                      <a:tailEnd len="sm" w="sm" type="none"/>
+                    </a:lnR>
+                    <a:lnT cap="flat" cmpd="sng" w="9525">
+                      <a:solidFill>
+                        <a:srgbClr val="000000"/>
+                      </a:solidFill>
+                      <a:prstDash val="solid"/>
+                      <a:round/>
+                      <a:headEnd len="sm" w="sm" type="none"/>
+                      <a:tailEnd len="sm" w="sm" type="none"/>
+                    </a:lnT>
+                    <a:lnB cap="flat" cmpd="sng" w="9525">
+                      <a:solidFill>
+                        <a:srgbClr val="000000"/>
+                      </a:solidFill>
+                      <a:prstDash val="solid"/>
+                      <a:round/>
+                      <a:headEnd len="sm" w="sm" type="none"/>
+                      <a:tailEnd len="sm" w="sm" type="none"/>
+                    </a:lnB>
+                  </a:tcPr>
+                </a:tc>
+                <a:tc>
+                  <a:txBody>
+                    <a:bodyPr/>
+                    <a:lstStyle/>
+                    <a:p>
+                      <a:pPr indent="0" lvl="0" marL="0" rtl="0" algn="l">
+                        <a:lnSpc>
+                          <a:spcPct val="115000"/>
+                        </a:lnSpc>
+                        <a:spcBef>
+                          <a:spcPts val="0"/>
+                        </a:spcBef>
+                        <a:spcAft>
+                          <a:spcPts val="0"/>
+                        </a:spcAft>
+                        <a:buNone/>
+                      </a:pPr>
+                      <a:r>
+                        <a:rPr lang="ru" sz="1000"/>
+                        <a:t>600 MB</a:t>
+                      </a:r>
+                      <a:endParaRPr sz="1000"/>
+                    </a:p>
+                  </a:txBody>
+                  <a:tcPr marT="19050" marB="19050" marR="28575" marL="28575" anchor="b">
+                    <a:lnL cap="flat" cmpd="sng" w="9525">
+                      <a:solidFill>
+                        <a:srgbClr val="000000"/>
+                      </a:solidFill>
+                      <a:prstDash val="solid"/>
+                      <a:round/>
+                      <a:headEnd len="sm" w="sm" type="none"/>
+                      <a:tailEnd len="sm" w="sm" type="none"/>
+                    </a:lnL>
+                    <a:lnR cap="flat" cmpd="sng" w="9525">
+                      <a:solidFill>
+                        <a:srgbClr val="000000"/>
+                      </a:solidFill>
+                      <a:prstDash val="solid"/>
+                      <a:round/>
+                      <a:headEnd len="sm" w="sm" type="none"/>
+                      <a:tailEnd len="sm" w="sm" type="none"/>
+                    </a:lnR>
+                    <a:lnT cap="flat" cmpd="sng" w="9525">
+                      <a:solidFill>
+                        <a:srgbClr val="000000"/>
+                      </a:solidFill>
+                      <a:prstDash val="solid"/>
+                      <a:round/>
+                      <a:headEnd len="sm" w="sm" type="none"/>
+                      <a:tailEnd len="sm" w="sm" type="none"/>
+                    </a:lnT>
+                    <a:lnB cap="flat" cmpd="sng" w="9525">
+                      <a:solidFill>
+                        <a:srgbClr val="000000"/>
+                      </a:solidFill>
+                      <a:prstDash val="solid"/>
+                      <a:round/>
+                      <a:headEnd len="sm" w="sm" type="none"/>
+                      <a:tailEnd len="sm" w="sm" type="none"/>
+                    </a:lnB>
+                    <a:solidFill>
+                      <a:srgbClr val="FFFFFF"/>
+                    </a:solidFill>
+                  </a:tcPr>
+                </a:tc>
+                <a:tc>
+                  <a:txBody>
+                    <a:bodyPr/>
+                    <a:lstStyle/>
+                    <a:p>
+                      <a:pPr indent="0" lvl="0" marL="0" rtl="0" algn="l">
+                        <a:lnSpc>
+                          <a:spcPct val="115000"/>
+                        </a:lnSpc>
+                        <a:spcBef>
+                          <a:spcPts val="0"/>
+                        </a:spcBef>
+                        <a:spcAft>
+                          <a:spcPts val="0"/>
+                        </a:spcAft>
+                        <a:buNone/>
+                      </a:pPr>
+                      <a:r>
+                        <a:rPr lang="ru" sz="1000"/>
+                        <a:t>0.65</a:t>
+                      </a:r>
+                      <a:endParaRPr sz="1000"/>
+                    </a:p>
+                  </a:txBody>
+                  <a:tcPr marT="19050" marB="19050" marR="28575" marL="28575" anchor="b">
+                    <a:lnL cap="flat" cmpd="sng" w="9525">
+                      <a:solidFill>
+                        <a:srgbClr val="000000"/>
+                      </a:solidFill>
+                      <a:prstDash val="solid"/>
+                      <a:round/>
+                      <a:headEnd len="sm" w="sm" type="none"/>
+                      <a:tailEnd len="sm" w="sm" type="none"/>
+                    </a:lnL>
+                    <a:lnR cap="flat" cmpd="sng" w="9525">
+                      <a:solidFill>
+                        <a:srgbClr val="000000"/>
+                      </a:solidFill>
+                      <a:prstDash val="solid"/>
+                      <a:round/>
+                      <a:headEnd len="sm" w="sm" type="none"/>
+                      <a:tailEnd len="sm" w="sm" type="none"/>
+                    </a:lnR>
+                    <a:lnT cap="flat" cmpd="sng" w="9525">
+                      <a:solidFill>
+                        <a:srgbClr val="000000"/>
+                      </a:solidFill>
+                      <a:prstDash val="solid"/>
+                      <a:round/>
+                      <a:headEnd len="sm" w="sm" type="none"/>
+                      <a:tailEnd len="sm" w="sm" type="none"/>
+                    </a:lnT>
+                    <a:lnB cap="flat" cmpd="sng" w="9525">
+                      <a:solidFill>
+                        <a:srgbClr val="000000"/>
+                      </a:solidFill>
+                      <a:prstDash val="solid"/>
+                      <a:round/>
+                      <a:headEnd len="sm" w="sm" type="none"/>
+                      <a:tailEnd len="sm" w="sm" type="none"/>
+                    </a:lnB>
+                  </a:tcPr>
+                </a:tc>
+                <a:tc>
+                  <a:txBody>
+                    <a:bodyPr/>
+                    <a:lstStyle/>
+                    <a:p>
+                      <a:pPr indent="0" lvl="0" marL="0" rtl="0" algn="r">
+                        <a:lnSpc>
+                          <a:spcPct val="115000"/>
+                        </a:lnSpc>
+                        <a:spcBef>
+                          <a:spcPts val="0"/>
+                        </a:spcBef>
+                        <a:spcAft>
+                          <a:spcPts val="0"/>
+                        </a:spcAft>
+                        <a:buNone/>
+                      </a:pPr>
+                      <a:r>
+                        <a:rPr lang="ru" sz="1000"/>
+                        <a:t>122713</a:t>
+                      </a:r>
+                      <a:endParaRPr sz="1000"/>
+                    </a:p>
+                  </a:txBody>
+                  <a:tcPr marT="19050" marB="19050" marR="28575" marL="28575" anchor="b">
+                    <a:lnL cap="flat" cmpd="sng" w="9525">
+                      <a:solidFill>
+                        <a:srgbClr val="000000"/>
+                      </a:solidFill>
+                      <a:prstDash val="solid"/>
+                      <a:round/>
+                      <a:headEnd len="sm" w="sm" type="none"/>
+                      <a:tailEnd len="sm" w="sm" type="none"/>
+                    </a:lnL>
+                    <a:lnR cap="flat" cmpd="sng" w="9525">
+                      <a:solidFill>
+                        <a:srgbClr val="000000"/>
+                      </a:solidFill>
+                      <a:prstDash val="solid"/>
+                      <a:round/>
+                      <a:headEnd len="sm" w="sm" type="none"/>
+                      <a:tailEnd len="sm" w="sm" type="none"/>
+                    </a:lnR>
+                    <a:lnT cap="flat" cmpd="sng" w="9525">
+                      <a:solidFill>
+                        <a:srgbClr val="000000"/>
+                      </a:solidFill>
+                      <a:prstDash val="solid"/>
+                      <a:round/>
+                      <a:headEnd len="sm" w="sm" type="none"/>
+                      <a:tailEnd len="sm" w="sm" type="none"/>
+                    </a:lnT>
+                    <a:lnB cap="flat" cmpd="sng" w="9525">
+                      <a:solidFill>
+                        <a:srgbClr val="000000"/>
+                      </a:solidFill>
+                      <a:prstDash val="solid"/>
+                      <a:round/>
+                      <a:headEnd len="sm" w="sm" type="none"/>
+                      <a:tailEnd len="sm" w="sm" type="none"/>
+                    </a:lnB>
+                  </a:tcPr>
+                </a:tc>
+              </a:tr>
+              <a:tr h="200025">
+                <a:tc>
+                  <a:txBody>
+                    <a:bodyPr/>
+                    <a:lstStyle/>
+                    <a:p>
+                      <a:pPr indent="0" lvl="0" marL="0" rtl="0" algn="l">
+                        <a:lnSpc>
+                          <a:spcPct val="115000"/>
+                        </a:lnSpc>
+                        <a:spcBef>
+                          <a:spcPts val="0"/>
+                        </a:spcBef>
+                        <a:spcAft>
+                          <a:spcPts val="0"/>
+                        </a:spcAft>
+                        <a:buNone/>
+                      </a:pPr>
+                      <a:r>
+                        <a:rPr lang="ru" sz="1000"/>
+                        <a:t>facebook/nllb-200-3.3B</a:t>
+                      </a:r>
+                      <a:endParaRPr sz="1000"/>
+                    </a:p>
+                  </a:txBody>
+                  <a:tcPr marT="19050" marB="19050" marR="28575" marL="28575" anchor="b">
+                    <a:lnL cap="flat" cmpd="sng" w="9525">
+                      <a:solidFill>
+                        <a:srgbClr val="000000"/>
+                      </a:solidFill>
+                      <a:prstDash val="solid"/>
+                      <a:round/>
+                      <a:headEnd len="sm" w="sm" type="none"/>
+                      <a:tailEnd len="sm" w="sm" type="none"/>
+                    </a:lnL>
+                    <a:lnR cap="flat" cmpd="sng" w="9525">
+                      <a:solidFill>
+                        <a:srgbClr val="000000"/>
+                      </a:solidFill>
+                      <a:prstDash val="solid"/>
+                      <a:round/>
+                      <a:headEnd len="sm" w="sm" type="none"/>
+                      <a:tailEnd len="sm" w="sm" type="none"/>
+                    </a:lnR>
+                    <a:lnT cap="flat" cmpd="sng" w="9525">
+                      <a:solidFill>
+                        <a:srgbClr val="000000"/>
+                      </a:solidFill>
+                      <a:prstDash val="solid"/>
+                      <a:round/>
+                      <a:headEnd len="sm" w="sm" type="none"/>
+                      <a:tailEnd len="sm" w="sm" type="none"/>
+                    </a:lnT>
+                    <a:lnB cap="flat" cmpd="sng" w="9525">
+                      <a:solidFill>
+                        <a:srgbClr val="000000"/>
+                      </a:solidFill>
+                      <a:prstDash val="solid"/>
+                      <a:round/>
+                      <a:headEnd len="sm" w="sm" type="none"/>
+                      <a:tailEnd len="sm" w="sm" type="none"/>
+                    </a:lnB>
+                  </a:tcPr>
+                </a:tc>
+                <a:tc>
+                  <a:txBody>
+                    <a:bodyPr/>
+                    <a:lstStyle/>
+                    <a:p>
+                      <a:pPr indent="0" lvl="0" marL="0" rtl="0" algn="l">
+                        <a:lnSpc>
+                          <a:spcPct val="115000"/>
+                        </a:lnSpc>
+                        <a:spcBef>
+                          <a:spcPts val="0"/>
+                        </a:spcBef>
+                        <a:spcAft>
+                          <a:spcPts val="0"/>
+                        </a:spcAft>
+                        <a:buNone/>
+                      </a:pPr>
+                      <a:r>
+                        <a:rPr lang="ru" sz="1000"/>
+                        <a:t>3.3B</a:t>
+                      </a:r>
+                      <a:endParaRPr sz="1000"/>
+                    </a:p>
+                  </a:txBody>
+                  <a:tcPr marT="19050" marB="19050" marR="28575" marL="28575" anchor="b">
+                    <a:lnL cap="flat" cmpd="sng" w="9525">
+                      <a:solidFill>
+                        <a:srgbClr val="000000"/>
+                      </a:solidFill>
+                      <a:prstDash val="solid"/>
+                      <a:round/>
+                      <a:headEnd len="sm" w="sm" type="none"/>
+                      <a:tailEnd len="sm" w="sm" type="none"/>
+                    </a:lnL>
+                    <a:lnR cap="flat" cmpd="sng" w="9525">
+                      <a:solidFill>
+                        <a:srgbClr val="000000"/>
+                      </a:solidFill>
+                      <a:prstDash val="solid"/>
+                      <a:round/>
+                      <a:headEnd len="sm" w="sm" type="none"/>
+                      <a:tailEnd len="sm" w="sm" type="none"/>
+                    </a:lnR>
+                    <a:lnT cap="flat" cmpd="sng" w="9525">
+                      <a:solidFill>
+                        <a:srgbClr val="000000"/>
+                      </a:solidFill>
+                      <a:prstDash val="solid"/>
+                      <a:round/>
+                      <a:headEnd len="sm" w="sm" type="none"/>
+                      <a:tailEnd len="sm" w="sm" type="none"/>
+                    </a:lnT>
+                    <a:lnB cap="flat" cmpd="sng" w="9525">
+                      <a:solidFill>
+                        <a:srgbClr val="000000"/>
+                      </a:solidFill>
+                      <a:prstDash val="solid"/>
+                      <a:round/>
+                      <a:headEnd len="sm" w="sm" type="none"/>
+                      <a:tailEnd len="sm" w="sm" type="none"/>
+                    </a:lnB>
+                  </a:tcPr>
+                </a:tc>
+                <a:tc>
+                  <a:txBody>
+                    <a:bodyPr/>
+                    <a:lstStyle/>
+                    <a:p>
+                      <a:pPr indent="0" lvl="0" marL="0" rtl="0" algn="l">
+                        <a:lnSpc>
+                          <a:spcPct val="115000"/>
+                        </a:lnSpc>
+                        <a:spcBef>
+                          <a:spcPts val="0"/>
+                        </a:spcBef>
+                        <a:spcAft>
+                          <a:spcPts val="0"/>
+                        </a:spcAft>
+                        <a:buNone/>
+                      </a:pPr>
+                      <a:r>
+                        <a:rPr lang="ru" sz="1000"/>
+                        <a:t>0.78</a:t>
+                      </a:r>
+                      <a:endParaRPr sz="1000"/>
+                    </a:p>
+                  </a:txBody>
+                  <a:tcPr marT="19050" marB="19050" marR="28575" marL="28575" anchor="b">
+                    <a:lnL cap="flat" cmpd="sng" w="9525">
+                      <a:solidFill>
+                        <a:srgbClr val="000000"/>
+                      </a:solidFill>
+                      <a:prstDash val="solid"/>
+                      <a:round/>
+                      <a:headEnd len="sm" w="sm" type="none"/>
+                      <a:tailEnd len="sm" w="sm" type="none"/>
+                    </a:lnL>
+                    <a:lnR cap="flat" cmpd="sng" w="9525">
+                      <a:solidFill>
+                        <a:srgbClr val="000000"/>
+                      </a:solidFill>
+                      <a:prstDash val="solid"/>
+                      <a:round/>
+                      <a:headEnd len="sm" w="sm" type="none"/>
+                      <a:tailEnd len="sm" w="sm" type="none"/>
+                    </a:lnR>
+                    <a:lnT cap="flat" cmpd="sng" w="9525">
+                      <a:solidFill>
+                        <a:srgbClr val="000000"/>
+                      </a:solidFill>
+                      <a:prstDash val="solid"/>
+                      <a:round/>
+                      <a:headEnd len="sm" w="sm" type="none"/>
+                      <a:tailEnd len="sm" w="sm" type="none"/>
+                    </a:lnT>
+                    <a:lnB cap="flat" cmpd="sng" w="9525">
+                      <a:solidFill>
+                        <a:srgbClr val="000000"/>
+                      </a:solidFill>
+                      <a:prstDash val="solid"/>
+                      <a:round/>
+                      <a:headEnd len="sm" w="sm" type="none"/>
+                      <a:tailEnd len="sm" w="sm" type="none"/>
+                    </a:lnB>
+                  </a:tcPr>
+                </a:tc>
+                <a:tc>
+                  <a:txBody>
+                    <a:bodyPr/>
+                    <a:lstStyle/>
+                    <a:p>
+                      <a:pPr indent="0" lvl="0" marL="0" rtl="0" algn="r">
+                        <a:lnSpc>
+                          <a:spcPct val="115000"/>
+                        </a:lnSpc>
+                        <a:spcBef>
+                          <a:spcPts val="0"/>
+                        </a:spcBef>
+                        <a:spcAft>
+                          <a:spcPts val="0"/>
+                        </a:spcAft>
+                        <a:buNone/>
+                      </a:pPr>
+                      <a:r>
+                        <a:rPr lang="ru" sz="1000"/>
+                        <a:t>18275</a:t>
+                      </a:r>
+                      <a:endParaRPr sz="1000"/>
+                    </a:p>
+                  </a:txBody>
+                  <a:tcPr marT="19050" marB="19050" marR="28575" marL="28575" anchor="b">
+                    <a:lnL cap="flat" cmpd="sng" w="9525">
+                      <a:solidFill>
+                        <a:srgbClr val="000000"/>
+                      </a:solidFill>
+                      <a:prstDash val="solid"/>
+                      <a:round/>
+                      <a:headEnd len="sm" w="sm" type="none"/>
+                      <a:tailEnd len="sm" w="sm" type="none"/>
+                    </a:lnL>
+                    <a:lnR cap="flat" cmpd="sng" w="9525">
+                      <a:solidFill>
+                        <a:srgbClr val="000000"/>
+                      </a:solidFill>
+                      <a:prstDash val="solid"/>
+                      <a:round/>
+                      <a:headEnd len="sm" w="sm" type="none"/>
+                      <a:tailEnd len="sm" w="sm" type="none"/>
+                    </a:lnR>
+                    <a:lnT cap="flat" cmpd="sng" w="9525">
+                      <a:solidFill>
+                        <a:srgbClr val="000000"/>
+                      </a:solidFill>
+                      <a:prstDash val="solid"/>
+                      <a:round/>
+                      <a:headEnd len="sm" w="sm" type="none"/>
+                      <a:tailEnd len="sm" w="sm" type="none"/>
+                    </a:lnT>
+                    <a:lnB cap="flat" cmpd="sng" w="9525">
+                      <a:solidFill>
+                        <a:srgbClr val="000000"/>
+                      </a:solidFill>
+                      <a:prstDash val="solid"/>
+                      <a:round/>
+                      <a:headEnd len="sm" w="sm" type="none"/>
+                      <a:tailEnd len="sm" w="sm" type="none"/>
+                    </a:lnB>
+                  </a:tcPr>
+                </a:tc>
+              </a:tr>
+              <a:tr h="200025">
+                <a:tc>
+                  <a:txBody>
+                    <a:bodyPr/>
+                    <a:lstStyle/>
+                    <a:p>
+                      <a:pPr indent="0" lvl="0" marL="0" rtl="0" algn="l">
+                        <a:lnSpc>
+                          <a:spcPct val="115000"/>
+                        </a:lnSpc>
+                        <a:spcBef>
+                          <a:spcPts val="0"/>
+                        </a:spcBef>
+                        <a:spcAft>
+                          <a:spcPts val="0"/>
+                        </a:spcAft>
+                        <a:buNone/>
+                      </a:pPr>
+                      <a:r>
+                        <a:rPr lang="ru" sz="1000"/>
+                        <a:t>Helsinki-NLP/opus-mt-en-ru</a:t>
+                      </a:r>
+                      <a:endParaRPr sz="1000"/>
+                    </a:p>
+                  </a:txBody>
+                  <a:tcPr marT="19050" marB="19050" marR="28575" marL="28575" anchor="b">
+                    <a:lnL cap="flat" cmpd="sng" w="9525">
+                      <a:solidFill>
+                        <a:srgbClr val="000000"/>
+                      </a:solidFill>
+                      <a:prstDash val="solid"/>
+                      <a:round/>
+                      <a:headEnd len="sm" w="sm" type="none"/>
+                      <a:tailEnd len="sm" w="sm" type="none"/>
+                    </a:lnL>
+                    <a:lnR cap="flat" cmpd="sng" w="9525">
+                      <a:solidFill>
+                        <a:srgbClr val="000000"/>
+                      </a:solidFill>
+                      <a:prstDash val="solid"/>
+                      <a:round/>
+                      <a:headEnd len="sm" w="sm" type="none"/>
+                      <a:tailEnd len="sm" w="sm" type="none"/>
+                    </a:lnR>
+                    <a:lnT cap="flat" cmpd="sng" w="9525">
+                      <a:solidFill>
+                        <a:srgbClr val="000000"/>
+                      </a:solidFill>
+                      <a:prstDash val="solid"/>
+                      <a:round/>
+                      <a:headEnd len="sm" w="sm" type="none"/>
+                      <a:tailEnd len="sm" w="sm" type="none"/>
+                    </a:lnT>
+                    <a:lnB cap="flat" cmpd="sng" w="9525">
+                      <a:solidFill>
+                        <a:srgbClr val="000000"/>
+                      </a:solidFill>
+                      <a:prstDash val="solid"/>
+                      <a:round/>
+                      <a:headEnd len="sm" w="sm" type="none"/>
+                      <a:tailEnd len="sm" w="sm" type="none"/>
+                    </a:lnB>
+                  </a:tcPr>
+                </a:tc>
+                <a:tc>
+                  <a:txBody>
+                    <a:bodyPr/>
+                    <a:lstStyle/>
+                    <a:p>
+                      <a:pPr indent="0" lvl="0" marL="0" rtl="0" algn="l">
+                        <a:lnSpc>
+                          <a:spcPct val="115000"/>
+                        </a:lnSpc>
+                        <a:spcBef>
+                          <a:spcPts val="0"/>
+                        </a:spcBef>
+                        <a:spcAft>
+                          <a:spcPts val="0"/>
+                        </a:spcAft>
+                        <a:buNone/>
+                      </a:pPr>
+                      <a:r>
+                        <a:rPr lang="ru" sz="1000"/>
+                        <a:t>33 MB</a:t>
+                      </a:r>
+                      <a:endParaRPr sz="1000"/>
+                    </a:p>
+                  </a:txBody>
+                  <a:tcPr marT="19050" marB="19050" marR="28575" marL="28575" anchor="b">
+                    <a:lnL cap="flat" cmpd="sng" w="9525">
+                      <a:solidFill>
+                        <a:srgbClr val="000000"/>
+                      </a:solidFill>
+                      <a:prstDash val="solid"/>
+                      <a:round/>
+                      <a:headEnd len="sm" w="sm" type="none"/>
+                      <a:tailEnd len="sm" w="sm" type="none"/>
+                    </a:lnL>
+                    <a:lnR cap="flat" cmpd="sng" w="9525">
+                      <a:solidFill>
+                        <a:srgbClr val="000000"/>
+                      </a:solidFill>
+                      <a:prstDash val="solid"/>
+                      <a:round/>
+                      <a:headEnd len="sm" w="sm" type="none"/>
+                      <a:tailEnd len="sm" w="sm" type="none"/>
+                    </a:lnR>
+                    <a:lnT cap="flat" cmpd="sng" w="9525">
+                      <a:solidFill>
+                        <a:srgbClr val="000000"/>
+                      </a:solidFill>
+                      <a:prstDash val="solid"/>
+                      <a:round/>
+                      <a:headEnd len="sm" w="sm" type="none"/>
+                      <a:tailEnd len="sm" w="sm" type="none"/>
+                    </a:lnT>
+                    <a:lnB cap="flat" cmpd="sng" w="9525">
+                      <a:solidFill>
+                        <a:srgbClr val="000000"/>
+                      </a:solidFill>
+                      <a:prstDash val="solid"/>
+                      <a:round/>
+                      <a:headEnd len="sm" w="sm" type="none"/>
+                      <a:tailEnd len="sm" w="sm" type="none"/>
+                    </a:lnB>
+                  </a:tcPr>
+                </a:tc>
+                <a:tc>
+                  <a:txBody>
+                    <a:bodyPr/>
+                    <a:lstStyle/>
+                    <a:p>
+                      <a:pPr indent="0" lvl="0" marL="0" rtl="0" algn="l">
+                        <a:lnSpc>
+                          <a:spcPct val="115000"/>
+                        </a:lnSpc>
+                        <a:spcBef>
+                          <a:spcPts val="0"/>
+                        </a:spcBef>
+                        <a:spcAft>
+                          <a:spcPts val="0"/>
+                        </a:spcAft>
+                        <a:buNone/>
+                      </a:pPr>
+                      <a:r>
+                        <a:rPr lang="ru" sz="1000"/>
+                        <a:t>0.66</a:t>
+                      </a:r>
+                      <a:endParaRPr sz="1000"/>
+                    </a:p>
+                  </a:txBody>
+                  <a:tcPr marT="19050" marB="19050" marR="28575" marL="28575" anchor="b">
+                    <a:lnL cap="flat" cmpd="sng" w="9525">
+                      <a:solidFill>
+                        <a:srgbClr val="000000"/>
+                      </a:solidFill>
+                      <a:prstDash val="solid"/>
+                      <a:round/>
+                      <a:headEnd len="sm" w="sm" type="none"/>
+                      <a:tailEnd len="sm" w="sm" type="none"/>
+                    </a:lnL>
+                    <a:lnR cap="flat" cmpd="sng" w="9525">
+                      <a:solidFill>
+                        <a:srgbClr val="000000"/>
+                      </a:solidFill>
+                      <a:prstDash val="solid"/>
+                      <a:round/>
+                      <a:headEnd len="sm" w="sm" type="none"/>
+                      <a:tailEnd len="sm" w="sm" type="none"/>
+                    </a:lnR>
+                    <a:lnT cap="flat" cmpd="sng" w="9525">
+                      <a:solidFill>
+                        <a:srgbClr val="000000"/>
+                      </a:solidFill>
+                      <a:prstDash val="solid"/>
+                      <a:round/>
+                      <a:headEnd len="sm" w="sm" type="none"/>
+                      <a:tailEnd len="sm" w="sm" type="none"/>
+                    </a:lnT>
+                    <a:lnB cap="flat" cmpd="sng" w="9525">
+                      <a:solidFill>
+                        <a:srgbClr val="000000"/>
+                      </a:solidFill>
+                      <a:prstDash val="solid"/>
+                      <a:round/>
+                      <a:headEnd len="sm" w="sm" type="none"/>
+                      <a:tailEnd len="sm" w="sm" type="none"/>
+                    </a:lnB>
+                  </a:tcPr>
+                </a:tc>
+                <a:tc>
+                  <a:txBody>
+                    <a:bodyPr/>
+                    <a:lstStyle/>
+                    <a:p>
+                      <a:pPr indent="0" lvl="0" marL="0" rtl="0" algn="r">
+                        <a:lnSpc>
+                          <a:spcPct val="115000"/>
+                        </a:lnSpc>
+                        <a:spcBef>
+                          <a:spcPts val="0"/>
+                        </a:spcBef>
+                        <a:spcAft>
+                          <a:spcPts val="0"/>
+                        </a:spcAft>
+                        <a:buNone/>
+                      </a:pPr>
+                      <a:r>
+                        <a:rPr lang="ru" sz="1000"/>
+                        <a:t>49066</a:t>
+                      </a:r>
+                      <a:endParaRPr sz="1000"/>
+                    </a:p>
+                  </a:txBody>
+                  <a:tcPr marT="19050" marB="19050" marR="28575" marL="28575" anchor="b">
+                    <a:lnL cap="flat" cmpd="sng" w="9525">
+                      <a:solidFill>
+                        <a:srgbClr val="000000"/>
+                      </a:solidFill>
+                      <a:prstDash val="solid"/>
+                      <a:round/>
+                      <a:headEnd len="sm" w="sm" type="none"/>
+                      <a:tailEnd len="sm" w="sm" type="none"/>
+                    </a:lnL>
+                    <a:lnR cap="flat" cmpd="sng" w="9525">
+                      <a:solidFill>
+                        <a:srgbClr val="000000"/>
+                      </a:solidFill>
+                      <a:prstDash val="solid"/>
+                      <a:round/>
+                      <a:headEnd len="sm" w="sm" type="none"/>
+                      <a:tailEnd len="sm" w="sm" type="none"/>
+                    </a:lnR>
+                    <a:lnT cap="flat" cmpd="sng" w="9525">
+                      <a:solidFill>
+                        <a:srgbClr val="000000"/>
+                      </a:solidFill>
+                      <a:prstDash val="solid"/>
+                      <a:round/>
+                      <a:headEnd len="sm" w="sm" type="none"/>
+                      <a:tailEnd len="sm" w="sm" type="none"/>
+                    </a:lnT>
+                    <a:lnB cap="flat" cmpd="sng" w="9525">
+                      <a:solidFill>
+                        <a:srgbClr val="000000"/>
+                      </a:solidFill>
+                      <a:prstDash val="solid"/>
+                      <a:round/>
+                      <a:headEnd len="sm" w="sm" type="none"/>
+                      <a:tailEnd len="sm" w="sm" type="none"/>
+                    </a:lnB>
+                  </a:tcPr>
+                </a:tc>
+              </a:tr>
+              <a:tr h="200025">
+                <a:tc>
+                  <a:txBody>
+                    <a:bodyPr/>
+                    <a:lstStyle/>
+                    <a:p>
+                      <a:pPr indent="0" lvl="0" marL="0" rtl="0" algn="l">
+                        <a:lnSpc>
+                          <a:spcPct val="115000"/>
+                        </a:lnSpc>
+                        <a:spcBef>
+                          <a:spcPts val="0"/>
+                        </a:spcBef>
+                        <a:spcAft>
+                          <a:spcPts val="0"/>
+                        </a:spcAft>
+                        <a:buNone/>
+                      </a:pPr>
+                      <a:r>
+                        <a:rPr lang="ru" sz="1000"/>
+                        <a:t>facebook/mbart-large-50-many-to-many-mmt</a:t>
+                      </a:r>
+                      <a:endParaRPr sz="1000"/>
+                    </a:p>
+                  </a:txBody>
+                  <a:tcPr marT="19050" marB="19050" marR="28575" marL="28575" anchor="b">
+                    <a:lnL cap="flat" cmpd="sng" w="9525">
+                      <a:solidFill>
+                        <a:srgbClr val="000000"/>
+                      </a:solidFill>
+                      <a:prstDash val="solid"/>
+                      <a:round/>
+                      <a:headEnd len="sm" w="sm" type="none"/>
+                      <a:tailEnd len="sm" w="sm" type="none"/>
+                    </a:lnL>
+                    <a:lnR cap="flat" cmpd="sng" w="9525">
+                      <a:solidFill>
+                        <a:srgbClr val="000000"/>
+                      </a:solidFill>
+                      <a:prstDash val="solid"/>
+                      <a:round/>
+                      <a:headEnd len="sm" w="sm" type="none"/>
+                      <a:tailEnd len="sm" w="sm" type="none"/>
+                    </a:lnR>
+                    <a:lnT cap="flat" cmpd="sng" w="9525">
+                      <a:solidFill>
+                        <a:srgbClr val="000000"/>
+                      </a:solidFill>
+                      <a:prstDash val="solid"/>
+                      <a:round/>
+                      <a:headEnd len="sm" w="sm" type="none"/>
+                      <a:tailEnd len="sm" w="sm" type="none"/>
+                    </a:lnT>
+                    <a:lnB cap="flat" cmpd="sng" w="9525">
+                      <a:solidFill>
+                        <a:srgbClr val="000000"/>
+                      </a:solidFill>
+                      <a:prstDash val="solid"/>
+                      <a:round/>
+                      <a:headEnd len="sm" w="sm" type="none"/>
+                      <a:tailEnd len="sm" w="sm" type="none"/>
+                    </a:lnB>
+                  </a:tcPr>
+                </a:tc>
+                <a:tc>
+                  <a:txBody>
+                    <a:bodyPr/>
+                    <a:lstStyle/>
+                    <a:p>
+                      <a:pPr indent="0" lvl="0" marL="0" rtl="0" algn="l">
+                        <a:lnSpc>
+                          <a:spcPct val="115000"/>
+                        </a:lnSpc>
+                        <a:spcBef>
+                          <a:spcPts val="0"/>
+                        </a:spcBef>
+                        <a:spcAft>
+                          <a:spcPts val="0"/>
+                        </a:spcAft>
+                        <a:buNone/>
+                      </a:pPr>
+                      <a:r>
+                        <a:rPr lang="ru" sz="1000"/>
+                        <a:t>2.4GB</a:t>
+                      </a:r>
+                      <a:endParaRPr sz="1000"/>
+                    </a:p>
+                  </a:txBody>
+                  <a:tcPr marT="19050" marB="19050" marR="28575" marL="28575" anchor="b">
+                    <a:lnL cap="flat" cmpd="sng" w="9525">
+                      <a:solidFill>
+                        <a:srgbClr val="000000"/>
+                      </a:solidFill>
+                      <a:prstDash val="solid"/>
+                      <a:round/>
+                      <a:headEnd len="sm" w="sm" type="none"/>
+                      <a:tailEnd len="sm" w="sm" type="none"/>
+                    </a:lnL>
+                    <a:lnR cap="flat" cmpd="sng" w="9525">
+                      <a:solidFill>
+                        <a:srgbClr val="000000"/>
+                      </a:solidFill>
+                      <a:prstDash val="solid"/>
+                      <a:round/>
+                      <a:headEnd len="sm" w="sm" type="none"/>
+                      <a:tailEnd len="sm" w="sm" type="none"/>
+                    </a:lnR>
+                    <a:lnT cap="flat" cmpd="sng" w="9525">
+                      <a:solidFill>
+                        <a:srgbClr val="000000"/>
+                      </a:solidFill>
+                      <a:prstDash val="solid"/>
+                      <a:round/>
+                      <a:headEnd len="sm" w="sm" type="none"/>
+                      <a:tailEnd len="sm" w="sm" type="none"/>
+                    </a:lnT>
+                    <a:lnB cap="flat" cmpd="sng" w="9525">
+                      <a:solidFill>
+                        <a:srgbClr val="000000"/>
+                      </a:solidFill>
+                      <a:prstDash val="solid"/>
+                      <a:round/>
+                      <a:headEnd len="sm" w="sm" type="none"/>
+                      <a:tailEnd len="sm" w="sm" type="none"/>
+                    </a:lnB>
+                  </a:tcPr>
+                </a:tc>
+                <a:tc>
+                  <a:txBody>
+                    <a:bodyPr/>
+                    <a:lstStyle/>
+                    <a:p>
+                      <a:pPr indent="0" lvl="0" marL="0" rtl="0" algn="l">
+                        <a:lnSpc>
+                          <a:spcPct val="115000"/>
+                        </a:lnSpc>
+                        <a:spcBef>
+                          <a:spcPts val="0"/>
+                        </a:spcBef>
+                        <a:spcAft>
+                          <a:spcPts val="0"/>
+                        </a:spcAft>
+                        <a:buNone/>
+                      </a:pPr>
+                      <a:r>
+                        <a:rPr lang="ru" sz="1000"/>
+                        <a:t>0.83</a:t>
+                      </a:r>
+                      <a:endParaRPr sz="1000"/>
+                    </a:p>
+                  </a:txBody>
+                  <a:tcPr marT="19050" marB="19050" marR="28575" marL="28575" anchor="b">
+                    <a:lnL cap="flat" cmpd="sng" w="9525">
+                      <a:solidFill>
+                        <a:srgbClr val="000000"/>
+                      </a:solidFill>
+                      <a:prstDash val="solid"/>
+                      <a:round/>
+                      <a:headEnd len="sm" w="sm" type="none"/>
+                      <a:tailEnd len="sm" w="sm" type="none"/>
+                    </a:lnL>
+                    <a:lnR cap="flat" cmpd="sng" w="9525">
+                      <a:solidFill>
+                        <a:srgbClr val="000000"/>
+                      </a:solidFill>
+                      <a:prstDash val="solid"/>
+                      <a:round/>
+                      <a:headEnd len="sm" w="sm" type="none"/>
+                      <a:tailEnd len="sm" w="sm" type="none"/>
+                    </a:lnR>
+                    <a:lnT cap="flat" cmpd="sng" w="9525">
+                      <a:solidFill>
+                        <a:srgbClr val="000000"/>
+                      </a:solidFill>
+                      <a:prstDash val="solid"/>
+                      <a:round/>
+                      <a:headEnd len="sm" w="sm" type="none"/>
+                      <a:tailEnd len="sm" w="sm" type="none"/>
+                    </a:lnT>
+                    <a:lnB cap="flat" cmpd="sng" w="9525">
+                      <a:solidFill>
+                        <a:srgbClr val="000000"/>
+                      </a:solidFill>
+                      <a:prstDash val="solid"/>
+                      <a:round/>
+                      <a:headEnd len="sm" w="sm" type="none"/>
+                      <a:tailEnd len="sm" w="sm" type="none"/>
+                    </a:lnB>
+                  </a:tcPr>
+                </a:tc>
+                <a:tc>
+                  <a:txBody>
+                    <a:bodyPr/>
+                    <a:lstStyle/>
+                    <a:p>
+                      <a:pPr indent="0" lvl="0" marL="0" rtl="0" algn="r">
+                        <a:lnSpc>
+                          <a:spcPct val="115000"/>
+                        </a:lnSpc>
+                        <a:spcBef>
+                          <a:spcPts val="0"/>
+                        </a:spcBef>
+                        <a:spcAft>
+                          <a:spcPts val="0"/>
+                        </a:spcAft>
+                        <a:buNone/>
+                      </a:pPr>
+                      <a:r>
+                        <a:rPr lang="ru" sz="1000"/>
+                        <a:t>287993</a:t>
+                      </a:r>
+                      <a:endParaRPr sz="1000"/>
+                    </a:p>
+                  </a:txBody>
+                  <a:tcPr marT="19050" marB="19050" marR="28575" marL="28575" anchor="b">
+                    <a:lnL cap="flat" cmpd="sng" w="9525">
+                      <a:solidFill>
+                        <a:srgbClr val="000000"/>
+                      </a:solidFill>
+                      <a:prstDash val="solid"/>
+                      <a:round/>
+                      <a:headEnd len="sm" w="sm" type="none"/>
+                      <a:tailEnd len="sm" w="sm" type="none"/>
+                    </a:lnL>
+                    <a:lnR cap="flat" cmpd="sng" w="9525">
+                      <a:solidFill>
+                        <a:srgbClr val="000000"/>
+                      </a:solidFill>
+                      <a:prstDash val="solid"/>
+                      <a:round/>
+                      <a:headEnd len="sm" w="sm" type="none"/>
+                      <a:tailEnd len="sm" w="sm" type="none"/>
+                    </a:lnR>
+                    <a:lnT cap="flat" cmpd="sng" w="9525">
+                      <a:solidFill>
+                        <a:srgbClr val="000000"/>
+                      </a:solidFill>
+                      <a:prstDash val="solid"/>
+                      <a:round/>
+                      <a:headEnd len="sm" w="sm" type="none"/>
+                      <a:tailEnd len="sm" w="sm" type="none"/>
+                    </a:lnT>
+                    <a:lnB cap="flat" cmpd="sng" w="9525">
+                      <a:solidFill>
+                        <a:srgbClr val="000000"/>
+                      </a:solidFill>
+                      <a:prstDash val="solid"/>
+                      <a:round/>
+                      <a:headEnd len="sm" w="sm" type="none"/>
+                      <a:tailEnd len="sm" w="sm" type="none"/>
+                    </a:lnB>
+                  </a:tcPr>
+                </a:tc>
+              </a:tr>
+              <a:tr h="200025">
+                <a:tc gridSpan="3">
+                  <a:txBody>
+                    <a:bodyPr/>
+                    <a:lstStyle/>
+                    <a:p>
+                      <a:pPr indent="0" lvl="0" marL="0" rtl="0" algn="ctr">
+                        <a:lnSpc>
+                          <a:spcPct val="115000"/>
+                        </a:lnSpc>
+                        <a:spcBef>
+                          <a:spcPts val="0"/>
+                        </a:spcBef>
+                        <a:spcAft>
+                          <a:spcPts val="0"/>
+                        </a:spcAft>
+                        <a:buNone/>
+                      </a:pPr>
+                      <a:r>
+                        <a:rPr b="1" lang="ru" sz="1000"/>
+                        <a:t>Саммарайз</a:t>
+                      </a:r>
+                      <a:endParaRPr b="1" sz="1000"/>
+                    </a:p>
+                  </a:txBody>
+                  <a:tcPr marT="19050" marB="19050" marR="28575" marL="28575" anchor="b">
+                    <a:lnL cap="flat" cmpd="sng" w="9525">
+                      <a:solidFill>
+                        <a:srgbClr val="000000"/>
+                      </a:solidFill>
+                      <a:prstDash val="solid"/>
+                      <a:round/>
+                      <a:headEnd len="sm" w="sm" type="none"/>
+                      <a:tailEnd len="sm" w="sm" type="none"/>
+                    </a:lnL>
+                    <a:lnR cap="flat" cmpd="sng" w="9525">
+                      <a:solidFill>
+                        <a:srgbClr val="000000"/>
+                      </a:solidFill>
+                      <a:prstDash val="solid"/>
+                      <a:round/>
+                      <a:headEnd len="sm" w="sm" type="none"/>
+                      <a:tailEnd len="sm" w="sm" type="none"/>
+                    </a:lnR>
+                    <a:lnT cap="flat" cmpd="sng" w="9525">
+                      <a:solidFill>
+                        <a:srgbClr val="000000"/>
+                      </a:solidFill>
+                      <a:prstDash val="solid"/>
+                      <a:round/>
+                      <a:headEnd len="sm" w="sm" type="none"/>
+                      <a:tailEnd len="sm" w="sm" type="none"/>
+                    </a:lnT>
+                    <a:lnB cap="flat" cmpd="sng" w="9525">
+                      <a:solidFill>
+                        <a:srgbClr val="000000"/>
+                      </a:solidFill>
+                      <a:prstDash val="solid"/>
+                      <a:round/>
+                      <a:headEnd len="sm" w="sm" type="none"/>
+                      <a:tailEnd len="sm" w="sm" type="none"/>
+                    </a:lnB>
+                  </a:tcPr>
+                </a:tc>
+                <a:tc hMerge="1"/>
+                <a:tc hMerge="1"/>
+                <a:tc>
+                  <a:txBody>
+                    <a:bodyPr/>
+                    <a:lstStyle/>
+                    <a:p>
+                      <a:pPr indent="0" lvl="0" marL="0" rtl="0" algn="l">
+                        <a:spcBef>
+                          <a:spcPts val="0"/>
+                        </a:spcBef>
+                        <a:spcAft>
+                          <a:spcPts val="0"/>
+                        </a:spcAft>
+                        <a:buNone/>
+                      </a:pPr>
+                      <a:r>
+                        <a:t/>
+                      </a:r>
+                      <a:endParaRPr/>
+                    </a:p>
+                  </a:txBody>
+                  <a:tcPr marT="19050" marB="19050" marR="28575" marL="28575" anchor="b">
+                    <a:lnL cap="flat" cmpd="sng" w="9525">
+                      <a:solidFill>
+                        <a:srgbClr val="000000"/>
+                      </a:solidFill>
+                      <a:prstDash val="solid"/>
+                      <a:round/>
+                      <a:headEnd len="sm" w="sm" type="none"/>
+                      <a:tailEnd len="sm" w="sm" type="none"/>
+                    </a:lnL>
+                    <a:lnR cap="flat" cmpd="sng" w="9525">
+                      <a:solidFill>
+                        <a:srgbClr val="000000"/>
+                      </a:solidFill>
+                      <a:prstDash val="solid"/>
+                      <a:round/>
+                      <a:headEnd len="sm" w="sm" type="none"/>
+                      <a:tailEnd len="sm" w="sm" type="none"/>
+                    </a:lnR>
+                    <a:lnT cap="flat" cmpd="sng" w="9525">
+                      <a:solidFill>
+                        <a:srgbClr val="000000"/>
+                      </a:solidFill>
+                      <a:prstDash val="solid"/>
+                      <a:round/>
+                      <a:headEnd len="sm" w="sm" type="none"/>
+                      <a:tailEnd len="sm" w="sm" type="none"/>
+                    </a:lnT>
+                    <a:lnB cap="flat" cmpd="sng" w="9525">
+                      <a:solidFill>
+                        <a:srgbClr val="000000"/>
+                      </a:solidFill>
+                      <a:prstDash val="solid"/>
+                      <a:round/>
+                      <a:headEnd len="sm" w="sm" type="none"/>
+                      <a:tailEnd len="sm" w="sm" type="none"/>
+                    </a:lnB>
+                  </a:tcPr>
+                </a:tc>
+              </a:tr>
+              <a:tr h="200025">
+                <a:tc>
+                  <a:txBody>
+                    <a:bodyPr/>
+                    <a:lstStyle/>
+                    <a:p>
+                      <a:pPr indent="0" lvl="0" marL="0" rtl="0" algn="l">
+                        <a:lnSpc>
+                          <a:spcPct val="115000"/>
+                        </a:lnSpc>
+                        <a:spcBef>
+                          <a:spcPts val="0"/>
+                        </a:spcBef>
+                        <a:spcAft>
+                          <a:spcPts val="0"/>
+                        </a:spcAft>
+                        <a:buNone/>
+                      </a:pPr>
+                      <a:r>
+                        <a:rPr lang="ru" sz="1000"/>
+                        <a:t>csebuetnlp/mT5_m2o_english_crossSum</a:t>
+                      </a:r>
+                      <a:endParaRPr sz="1000"/>
+                    </a:p>
+                  </a:txBody>
+                  <a:tcPr marT="19050" marB="19050" marR="28575" marL="28575" anchor="b">
+                    <a:lnL cap="flat" cmpd="sng" w="9525">
+                      <a:solidFill>
+                        <a:srgbClr val="000000"/>
+                      </a:solidFill>
+                      <a:prstDash val="solid"/>
+                      <a:round/>
+                      <a:headEnd len="sm" w="sm" type="none"/>
+                      <a:tailEnd len="sm" w="sm" type="none"/>
+                    </a:lnL>
+                    <a:lnR cap="flat" cmpd="sng" w="9525">
+                      <a:solidFill>
+                        <a:srgbClr val="000000"/>
+                      </a:solidFill>
+                      <a:prstDash val="solid"/>
+                      <a:round/>
+                      <a:headEnd len="sm" w="sm" type="none"/>
+                      <a:tailEnd len="sm" w="sm" type="none"/>
+                    </a:lnR>
+                    <a:lnT cap="flat" cmpd="sng" w="9525">
+                      <a:solidFill>
+                        <a:srgbClr val="000000"/>
+                      </a:solidFill>
+                      <a:prstDash val="solid"/>
+                      <a:round/>
+                      <a:headEnd len="sm" w="sm" type="none"/>
+                      <a:tailEnd len="sm" w="sm" type="none"/>
+                    </a:lnT>
+                    <a:lnB cap="flat" cmpd="sng" w="9525">
+                      <a:solidFill>
+                        <a:srgbClr val="000000"/>
+                      </a:solidFill>
+                      <a:prstDash val="solid"/>
+                      <a:round/>
+                      <a:headEnd len="sm" w="sm" type="none"/>
+                      <a:tailEnd len="sm" w="sm" type="none"/>
+                    </a:lnB>
+                  </a:tcPr>
+                </a:tc>
+                <a:tc>
+                  <a:txBody>
+                    <a:bodyPr/>
+                    <a:lstStyle/>
+                    <a:p>
+                      <a:pPr indent="0" lvl="0" marL="0" rtl="0" algn="l">
+                        <a:lnSpc>
+                          <a:spcPct val="115000"/>
+                        </a:lnSpc>
+                        <a:spcBef>
+                          <a:spcPts val="0"/>
+                        </a:spcBef>
+                        <a:spcAft>
+                          <a:spcPts val="0"/>
+                        </a:spcAft>
+                        <a:buNone/>
+                      </a:pPr>
+                      <a:r>
+                        <a:rPr lang="ru" sz="1000"/>
+                        <a:t>2.3 GB</a:t>
+                      </a:r>
+                      <a:endParaRPr sz="1000"/>
+                    </a:p>
+                  </a:txBody>
+                  <a:tcPr marT="19050" marB="19050" marR="28575" marL="28575" anchor="b">
+                    <a:lnL cap="flat" cmpd="sng" w="9525">
+                      <a:solidFill>
+                        <a:srgbClr val="000000"/>
+                      </a:solidFill>
+                      <a:prstDash val="solid"/>
+                      <a:round/>
+                      <a:headEnd len="sm" w="sm" type="none"/>
+                      <a:tailEnd len="sm" w="sm" type="none"/>
+                    </a:lnL>
+                    <a:lnR cap="flat" cmpd="sng" w="9525">
+                      <a:solidFill>
+                        <a:srgbClr val="000000"/>
+                      </a:solidFill>
+                      <a:prstDash val="solid"/>
+                      <a:round/>
+                      <a:headEnd len="sm" w="sm" type="none"/>
+                      <a:tailEnd len="sm" w="sm" type="none"/>
+                    </a:lnR>
+                    <a:lnT cap="flat" cmpd="sng" w="9525">
+                      <a:solidFill>
+                        <a:srgbClr val="000000"/>
+                      </a:solidFill>
+                      <a:prstDash val="solid"/>
+                      <a:round/>
+                      <a:headEnd len="sm" w="sm" type="none"/>
+                      <a:tailEnd len="sm" w="sm" type="none"/>
+                    </a:lnT>
+                    <a:lnB cap="flat" cmpd="sng" w="9525">
+                      <a:solidFill>
+                        <a:srgbClr val="000000"/>
+                      </a:solidFill>
+                      <a:prstDash val="solid"/>
+                      <a:round/>
+                      <a:headEnd len="sm" w="sm" type="none"/>
+                      <a:tailEnd len="sm" w="sm" type="none"/>
+                    </a:lnB>
+                  </a:tcPr>
+                </a:tc>
+                <a:tc>
+                  <a:txBody>
+                    <a:bodyPr/>
+                    <a:lstStyle/>
+                    <a:p>
+                      <a:pPr indent="0" lvl="0" marL="0" rtl="0" algn="l">
+                        <a:lnSpc>
+                          <a:spcPct val="115000"/>
+                        </a:lnSpc>
+                        <a:spcBef>
+                          <a:spcPts val="0"/>
+                        </a:spcBef>
+                        <a:spcAft>
+                          <a:spcPts val="0"/>
+                        </a:spcAft>
+                        <a:buNone/>
+                      </a:pPr>
+                      <a:r>
+                        <a:rPr lang="ru" sz="1000"/>
+                        <a:t>0.6</a:t>
+                      </a:r>
+                      <a:endParaRPr sz="1000"/>
+                    </a:p>
+                  </a:txBody>
+                  <a:tcPr marT="19050" marB="19050" marR="28575" marL="28575" anchor="b">
+                    <a:lnL cap="flat" cmpd="sng" w="9525">
+                      <a:solidFill>
+                        <a:srgbClr val="000000"/>
+                      </a:solidFill>
+                      <a:prstDash val="solid"/>
+                      <a:round/>
+                      <a:headEnd len="sm" w="sm" type="none"/>
+                      <a:tailEnd len="sm" w="sm" type="none"/>
+                    </a:lnL>
+                    <a:lnR cap="flat" cmpd="sng" w="9525">
+                      <a:solidFill>
+                        <a:srgbClr val="000000"/>
+                      </a:solidFill>
+                      <a:prstDash val="solid"/>
+                      <a:round/>
+                      <a:headEnd len="sm" w="sm" type="none"/>
+                      <a:tailEnd len="sm" w="sm" type="none"/>
+                    </a:lnR>
+                    <a:lnT cap="flat" cmpd="sng" w="9525">
+                      <a:solidFill>
+                        <a:srgbClr val="000000"/>
+                      </a:solidFill>
+                      <a:prstDash val="solid"/>
+                      <a:round/>
+                      <a:headEnd len="sm" w="sm" type="none"/>
+                      <a:tailEnd len="sm" w="sm" type="none"/>
+                    </a:lnT>
+                    <a:lnB cap="flat" cmpd="sng" w="9525">
+                      <a:solidFill>
+                        <a:srgbClr val="000000"/>
+                      </a:solidFill>
+                      <a:prstDash val="solid"/>
+                      <a:round/>
+                      <a:headEnd len="sm" w="sm" type="none"/>
+                      <a:tailEnd len="sm" w="sm" type="none"/>
+                    </a:lnB>
+                  </a:tcPr>
+                </a:tc>
+                <a:tc>
+                  <a:txBody>
+                    <a:bodyPr/>
+                    <a:lstStyle/>
+                    <a:p>
+                      <a:pPr indent="0" lvl="0" marL="0" rtl="0" algn="r">
+                        <a:lnSpc>
+                          <a:spcPct val="115000"/>
+                        </a:lnSpc>
+                        <a:spcBef>
+                          <a:spcPts val="0"/>
+                        </a:spcBef>
+                        <a:spcAft>
+                          <a:spcPts val="0"/>
+                        </a:spcAft>
+                        <a:buNone/>
+                      </a:pPr>
+                      <a:r>
+                        <a:rPr lang="ru" sz="1000"/>
+                        <a:t>70</a:t>
+                      </a:r>
+                      <a:endParaRPr sz="1000"/>
+                    </a:p>
+                  </a:txBody>
+                  <a:tcPr marT="19050" marB="19050" marR="28575" marL="28575" anchor="b">
+                    <a:lnL cap="flat" cmpd="sng" w="9525">
+                      <a:solidFill>
+                        <a:srgbClr val="000000"/>
+                      </a:solidFill>
+                      <a:prstDash val="solid"/>
+                      <a:round/>
+                      <a:headEnd len="sm" w="sm" type="none"/>
+                      <a:tailEnd len="sm" w="sm" type="none"/>
+                    </a:lnL>
+                    <a:lnR cap="flat" cmpd="sng" w="9525">
+                      <a:solidFill>
+                        <a:srgbClr val="000000"/>
+                      </a:solidFill>
+                      <a:prstDash val="solid"/>
+                      <a:round/>
+                      <a:headEnd len="sm" w="sm" type="none"/>
+                      <a:tailEnd len="sm" w="sm" type="none"/>
+                    </a:lnR>
+                    <a:lnT cap="flat" cmpd="sng" w="9525">
+                      <a:solidFill>
+                        <a:srgbClr val="000000"/>
+                      </a:solidFill>
+                      <a:prstDash val="solid"/>
+                      <a:round/>
+                      <a:headEnd len="sm" w="sm" type="none"/>
+                      <a:tailEnd len="sm" w="sm" type="none"/>
+                    </a:lnT>
+                    <a:lnB cap="flat" cmpd="sng" w="9525">
+                      <a:solidFill>
+                        <a:srgbClr val="000000"/>
+                      </a:solidFill>
+                      <a:prstDash val="solid"/>
+                      <a:round/>
+                      <a:headEnd len="sm" w="sm" type="none"/>
+                      <a:tailEnd len="sm" w="sm" type="none"/>
+                    </a:lnB>
+                  </a:tcPr>
+                </a:tc>
+              </a:tr>
+              <a:tr h="200025">
+                <a:tc>
+                  <a:txBody>
+                    <a:bodyPr/>
+                    <a:lstStyle/>
+                    <a:p>
+                      <a:pPr indent="0" lvl="0" marL="0" rtl="0" algn="l">
+                        <a:lnSpc>
+                          <a:spcPct val="115000"/>
+                        </a:lnSpc>
+                        <a:spcBef>
+                          <a:spcPts val="0"/>
+                        </a:spcBef>
+                        <a:spcAft>
+                          <a:spcPts val="0"/>
+                        </a:spcAft>
+                        <a:buNone/>
+                      </a:pPr>
+                      <a:r>
+                        <a:rPr lang="ru" sz="1000"/>
+                        <a:t>csebuetnlp/mT5_m2o_russian_crossSum</a:t>
+                      </a:r>
+                      <a:endParaRPr sz="1000"/>
+                    </a:p>
+                  </a:txBody>
+                  <a:tcPr marT="19050" marB="19050" marR="28575" marL="28575" anchor="b">
+                    <a:lnL cap="flat" cmpd="sng" w="9525">
+                      <a:solidFill>
+                        <a:srgbClr val="000000"/>
+                      </a:solidFill>
+                      <a:prstDash val="solid"/>
+                      <a:round/>
+                      <a:headEnd len="sm" w="sm" type="none"/>
+                      <a:tailEnd len="sm" w="sm" type="none"/>
+                    </a:lnL>
+                    <a:lnR cap="flat" cmpd="sng" w="9525">
+                      <a:solidFill>
+                        <a:srgbClr val="000000"/>
+                      </a:solidFill>
+                      <a:prstDash val="solid"/>
+                      <a:round/>
+                      <a:headEnd len="sm" w="sm" type="none"/>
+                      <a:tailEnd len="sm" w="sm" type="none"/>
+                    </a:lnR>
+                    <a:lnT cap="flat" cmpd="sng" w="9525">
+                      <a:solidFill>
+                        <a:srgbClr val="000000"/>
+                      </a:solidFill>
+                      <a:prstDash val="solid"/>
+                      <a:round/>
+                      <a:headEnd len="sm" w="sm" type="none"/>
+                      <a:tailEnd len="sm" w="sm" type="none"/>
+                    </a:lnT>
+                    <a:lnB cap="flat" cmpd="sng" w="9525">
+                      <a:solidFill>
+                        <a:srgbClr val="000000"/>
+                      </a:solidFill>
+                      <a:prstDash val="solid"/>
+                      <a:round/>
+                      <a:headEnd len="sm" w="sm" type="none"/>
+                      <a:tailEnd len="sm" w="sm" type="none"/>
+                    </a:lnB>
+                  </a:tcPr>
+                </a:tc>
+                <a:tc>
+                  <a:txBody>
+                    <a:bodyPr/>
+                    <a:lstStyle/>
+                    <a:p>
+                      <a:pPr indent="0" lvl="0" marL="0" rtl="0" algn="l">
+                        <a:lnSpc>
+                          <a:spcPct val="115000"/>
+                        </a:lnSpc>
+                        <a:spcBef>
+                          <a:spcPts val="0"/>
+                        </a:spcBef>
+                        <a:spcAft>
+                          <a:spcPts val="0"/>
+                        </a:spcAft>
+                        <a:buNone/>
+                      </a:pPr>
+                      <a:r>
+                        <a:rPr lang="ru" sz="1000"/>
+                        <a:t>2.33 GB</a:t>
+                      </a:r>
+                      <a:endParaRPr sz="1000"/>
+                    </a:p>
+                  </a:txBody>
+                  <a:tcPr marT="19050" marB="19050" marR="28575" marL="28575" anchor="b">
+                    <a:lnL cap="flat" cmpd="sng" w="9525">
+                      <a:solidFill>
+                        <a:srgbClr val="000000"/>
+                      </a:solidFill>
+                      <a:prstDash val="solid"/>
+                      <a:round/>
+                      <a:headEnd len="sm" w="sm" type="none"/>
+                      <a:tailEnd len="sm" w="sm" type="none"/>
+                    </a:lnL>
+                    <a:lnR cap="flat" cmpd="sng" w="9525">
+                      <a:solidFill>
+                        <a:srgbClr val="000000"/>
+                      </a:solidFill>
+                      <a:prstDash val="solid"/>
+                      <a:round/>
+                      <a:headEnd len="sm" w="sm" type="none"/>
+                      <a:tailEnd len="sm" w="sm" type="none"/>
+                    </a:lnR>
+                    <a:lnT cap="flat" cmpd="sng" w="9525">
+                      <a:solidFill>
+                        <a:srgbClr val="000000"/>
+                      </a:solidFill>
+                      <a:prstDash val="solid"/>
+                      <a:round/>
+                      <a:headEnd len="sm" w="sm" type="none"/>
+                      <a:tailEnd len="sm" w="sm" type="none"/>
+                    </a:lnT>
+                    <a:lnB cap="flat" cmpd="sng" w="9525">
+                      <a:solidFill>
+                        <a:srgbClr val="000000"/>
+                      </a:solidFill>
+                      <a:prstDash val="solid"/>
+                      <a:round/>
+                      <a:headEnd len="sm" w="sm" type="none"/>
+                      <a:tailEnd len="sm" w="sm" type="none"/>
+                    </a:lnB>
+                  </a:tcPr>
+                </a:tc>
+                <a:tc>
+                  <a:txBody>
+                    <a:bodyPr/>
+                    <a:lstStyle/>
+                    <a:p>
+                      <a:pPr indent="0" lvl="0" marL="0" rtl="0" algn="l">
+                        <a:lnSpc>
+                          <a:spcPct val="115000"/>
+                        </a:lnSpc>
+                        <a:spcBef>
+                          <a:spcPts val="0"/>
+                        </a:spcBef>
+                        <a:spcAft>
+                          <a:spcPts val="0"/>
+                        </a:spcAft>
+                        <a:buNone/>
+                      </a:pPr>
+                      <a:r>
+                        <a:rPr lang="ru" sz="1000"/>
+                        <a:t>0.6</a:t>
+                      </a:r>
+                      <a:endParaRPr sz="1000"/>
+                    </a:p>
+                  </a:txBody>
+                  <a:tcPr marT="19050" marB="19050" marR="28575" marL="28575" anchor="b">
+                    <a:lnL cap="flat" cmpd="sng" w="9525">
+                      <a:solidFill>
+                        <a:srgbClr val="000000"/>
+                      </a:solidFill>
+                      <a:prstDash val="solid"/>
+                      <a:round/>
+                      <a:headEnd len="sm" w="sm" type="none"/>
+                      <a:tailEnd len="sm" w="sm" type="none"/>
+                    </a:lnL>
+                    <a:lnR cap="flat" cmpd="sng" w="9525">
+                      <a:solidFill>
+                        <a:srgbClr val="000000"/>
+                      </a:solidFill>
+                      <a:prstDash val="solid"/>
+                      <a:round/>
+                      <a:headEnd len="sm" w="sm" type="none"/>
+                      <a:tailEnd len="sm" w="sm" type="none"/>
+                    </a:lnR>
+                    <a:lnT cap="flat" cmpd="sng" w="9525">
+                      <a:solidFill>
+                        <a:srgbClr val="000000"/>
+                      </a:solidFill>
+                      <a:prstDash val="solid"/>
+                      <a:round/>
+                      <a:headEnd len="sm" w="sm" type="none"/>
+                      <a:tailEnd len="sm" w="sm" type="none"/>
+                    </a:lnT>
+                    <a:lnB cap="flat" cmpd="sng" w="9525">
+                      <a:solidFill>
+                        <a:srgbClr val="000000"/>
+                      </a:solidFill>
+                      <a:prstDash val="solid"/>
+                      <a:round/>
+                      <a:headEnd len="sm" w="sm" type="none"/>
+                      <a:tailEnd len="sm" w="sm" type="none"/>
+                    </a:lnB>
+                  </a:tcPr>
+                </a:tc>
+                <a:tc>
+                  <a:txBody>
+                    <a:bodyPr/>
+                    <a:lstStyle/>
+                    <a:p>
+                      <a:pPr indent="0" lvl="0" marL="0" rtl="0" algn="r">
+                        <a:lnSpc>
+                          <a:spcPct val="115000"/>
+                        </a:lnSpc>
+                        <a:spcBef>
+                          <a:spcPts val="0"/>
+                        </a:spcBef>
+                        <a:spcAft>
+                          <a:spcPts val="0"/>
+                        </a:spcAft>
+                        <a:buNone/>
+                      </a:pPr>
+                      <a:r>
+                        <a:rPr lang="ru" sz="1000"/>
+                        <a:t>240</a:t>
+                      </a:r>
+                      <a:endParaRPr sz="1000"/>
+                    </a:p>
+                  </a:txBody>
+                  <a:tcPr marT="19050" marB="19050" marR="28575" marL="28575" anchor="b">
+                    <a:lnL cap="flat" cmpd="sng" w="9525">
+                      <a:solidFill>
+                        <a:srgbClr val="000000"/>
+                      </a:solidFill>
+                      <a:prstDash val="solid"/>
+                      <a:round/>
+                      <a:headEnd len="sm" w="sm" type="none"/>
+                      <a:tailEnd len="sm" w="sm" type="none"/>
+                    </a:lnL>
+                    <a:lnR cap="flat" cmpd="sng" w="9525">
+                      <a:solidFill>
+                        <a:srgbClr val="000000"/>
+                      </a:solidFill>
+                      <a:prstDash val="solid"/>
+                      <a:round/>
+                      <a:headEnd len="sm" w="sm" type="none"/>
+                      <a:tailEnd len="sm" w="sm" type="none"/>
+                    </a:lnR>
+                    <a:lnT cap="flat" cmpd="sng" w="9525">
+                      <a:solidFill>
+                        <a:srgbClr val="000000"/>
+                      </a:solidFill>
+                      <a:prstDash val="solid"/>
+                      <a:round/>
+                      <a:headEnd len="sm" w="sm" type="none"/>
+                      <a:tailEnd len="sm" w="sm" type="none"/>
+                    </a:lnT>
+                    <a:lnB cap="flat" cmpd="sng" w="9525">
+                      <a:solidFill>
+                        <a:srgbClr val="000000"/>
+                      </a:solidFill>
+                      <a:prstDash val="solid"/>
+                      <a:round/>
+                      <a:headEnd len="sm" w="sm" type="none"/>
+                      <a:tailEnd len="sm" w="sm" type="none"/>
+                    </a:lnB>
+                  </a:tcPr>
+                </a:tc>
+              </a:tr>
+              <a:tr h="200025">
+                <a:tc>
+                  <a:txBody>
+                    <a:bodyPr/>
+                    <a:lstStyle/>
+                    <a:p>
+                      <a:pPr indent="0" lvl="0" marL="0" rtl="0" algn="l">
+                        <a:lnSpc>
+                          <a:spcPct val="115000"/>
+                        </a:lnSpc>
+                        <a:spcBef>
+                          <a:spcPts val="0"/>
+                        </a:spcBef>
+                        <a:spcAft>
+                          <a:spcPts val="0"/>
+                        </a:spcAft>
+                        <a:buNone/>
+                      </a:pPr>
+                      <a:r>
+                        <a:rPr lang="ru" sz="1000"/>
+                        <a:t>spursyy/mT5_multilingual_XLSum_rust</a:t>
+                      </a:r>
+                      <a:endParaRPr sz="1000"/>
+                    </a:p>
+                  </a:txBody>
+                  <a:tcPr marT="19050" marB="19050" marR="28575" marL="28575" anchor="b">
+                    <a:lnL cap="flat" cmpd="sng" w="9525">
+                      <a:solidFill>
+                        <a:srgbClr val="000000"/>
+                      </a:solidFill>
+                      <a:prstDash val="solid"/>
+                      <a:round/>
+                      <a:headEnd len="sm" w="sm" type="none"/>
+                      <a:tailEnd len="sm" w="sm" type="none"/>
+                    </a:lnL>
+                    <a:lnR cap="flat" cmpd="sng" w="9525">
+                      <a:solidFill>
+                        <a:srgbClr val="000000"/>
+                      </a:solidFill>
+                      <a:prstDash val="solid"/>
+                      <a:round/>
+                      <a:headEnd len="sm" w="sm" type="none"/>
+                      <a:tailEnd len="sm" w="sm" type="none"/>
+                    </a:lnR>
+                    <a:lnT cap="flat" cmpd="sng" w="9525">
+                      <a:solidFill>
+                        <a:srgbClr val="000000"/>
+                      </a:solidFill>
+                      <a:prstDash val="solid"/>
+                      <a:round/>
+                      <a:headEnd len="sm" w="sm" type="none"/>
+                      <a:tailEnd len="sm" w="sm" type="none"/>
+                    </a:lnT>
+                    <a:lnB cap="flat" cmpd="sng" w="9525">
+                      <a:solidFill>
+                        <a:srgbClr val="000000"/>
+                      </a:solidFill>
+                      <a:prstDash val="solid"/>
+                      <a:round/>
+                      <a:headEnd len="sm" w="sm" type="none"/>
+                      <a:tailEnd len="sm" w="sm" type="none"/>
+                    </a:lnB>
+                  </a:tcPr>
+                </a:tc>
+                <a:tc>
+                  <a:txBody>
+                    <a:bodyPr/>
+                    <a:lstStyle/>
+                    <a:p>
+                      <a:pPr indent="0" lvl="0" marL="0" rtl="0" algn="l">
+                        <a:lnSpc>
+                          <a:spcPct val="115000"/>
+                        </a:lnSpc>
+                        <a:spcBef>
+                          <a:spcPts val="0"/>
+                        </a:spcBef>
+                        <a:spcAft>
+                          <a:spcPts val="0"/>
+                        </a:spcAft>
+                        <a:buNone/>
+                      </a:pPr>
+                      <a:r>
+                        <a:rPr lang="ru" sz="1000"/>
+                        <a:t>2.33 GB</a:t>
+                      </a:r>
+                      <a:endParaRPr sz="1000"/>
+                    </a:p>
+                  </a:txBody>
+                  <a:tcPr marT="19050" marB="19050" marR="28575" marL="28575" anchor="b">
+                    <a:lnL cap="flat" cmpd="sng" w="9525">
+                      <a:solidFill>
+                        <a:srgbClr val="000000"/>
+                      </a:solidFill>
+                      <a:prstDash val="solid"/>
+                      <a:round/>
+                      <a:headEnd len="sm" w="sm" type="none"/>
+                      <a:tailEnd len="sm" w="sm" type="none"/>
+                    </a:lnL>
+                    <a:lnR cap="flat" cmpd="sng" w="9525">
+                      <a:solidFill>
+                        <a:srgbClr val="000000"/>
+                      </a:solidFill>
+                      <a:prstDash val="solid"/>
+                      <a:round/>
+                      <a:headEnd len="sm" w="sm" type="none"/>
+                      <a:tailEnd len="sm" w="sm" type="none"/>
+                    </a:lnR>
+                    <a:lnT cap="flat" cmpd="sng" w="9525">
+                      <a:solidFill>
+                        <a:srgbClr val="000000"/>
+                      </a:solidFill>
+                      <a:prstDash val="solid"/>
+                      <a:round/>
+                      <a:headEnd len="sm" w="sm" type="none"/>
+                      <a:tailEnd len="sm" w="sm" type="none"/>
+                    </a:lnT>
+                    <a:lnB cap="flat" cmpd="sng" w="9525">
+                      <a:solidFill>
+                        <a:srgbClr val="000000"/>
+                      </a:solidFill>
+                      <a:prstDash val="solid"/>
+                      <a:round/>
+                      <a:headEnd len="sm" w="sm" type="none"/>
+                      <a:tailEnd len="sm" w="sm" type="none"/>
+                    </a:lnB>
+                  </a:tcPr>
+                </a:tc>
+                <a:tc>
+                  <a:txBody>
+                    <a:bodyPr/>
+                    <a:lstStyle/>
+                    <a:p>
+                      <a:pPr indent="0" lvl="0" marL="0" rtl="0" algn="l">
+                        <a:lnSpc>
+                          <a:spcPct val="115000"/>
+                        </a:lnSpc>
+                        <a:spcBef>
+                          <a:spcPts val="0"/>
+                        </a:spcBef>
+                        <a:spcAft>
+                          <a:spcPts val="0"/>
+                        </a:spcAft>
+                        <a:buNone/>
+                      </a:pPr>
+                      <a:r>
+                        <a:rPr lang="ru" sz="1000"/>
+                        <a:t>0.78</a:t>
+                      </a:r>
+                      <a:endParaRPr sz="1000"/>
+                    </a:p>
+                  </a:txBody>
+                  <a:tcPr marT="19050" marB="19050" marR="28575" marL="28575" anchor="b">
+                    <a:lnL cap="flat" cmpd="sng" w="9525">
+                      <a:solidFill>
+                        <a:srgbClr val="000000"/>
+                      </a:solidFill>
+                      <a:prstDash val="solid"/>
+                      <a:round/>
+                      <a:headEnd len="sm" w="sm" type="none"/>
+                      <a:tailEnd len="sm" w="sm" type="none"/>
+                    </a:lnL>
+                    <a:lnR cap="flat" cmpd="sng" w="9525">
+                      <a:solidFill>
+                        <a:srgbClr val="000000"/>
+                      </a:solidFill>
+                      <a:prstDash val="solid"/>
+                      <a:round/>
+                      <a:headEnd len="sm" w="sm" type="none"/>
+                      <a:tailEnd len="sm" w="sm" type="none"/>
+                    </a:lnR>
+                    <a:lnT cap="flat" cmpd="sng" w="9525">
+                      <a:solidFill>
+                        <a:srgbClr val="000000"/>
+                      </a:solidFill>
+                      <a:prstDash val="solid"/>
+                      <a:round/>
+                      <a:headEnd len="sm" w="sm" type="none"/>
+                      <a:tailEnd len="sm" w="sm" type="none"/>
+                    </a:lnT>
+                    <a:lnB cap="flat" cmpd="sng" w="9525">
+                      <a:solidFill>
+                        <a:srgbClr val="000000"/>
+                      </a:solidFill>
+                      <a:prstDash val="solid"/>
+                      <a:round/>
+                      <a:headEnd len="sm" w="sm" type="none"/>
+                      <a:tailEnd len="sm" w="sm" type="none"/>
+                    </a:lnB>
+                  </a:tcPr>
+                </a:tc>
+                <a:tc>
+                  <a:txBody>
+                    <a:bodyPr/>
+                    <a:lstStyle/>
+                    <a:p>
+                      <a:pPr indent="0" lvl="0" marL="0" rtl="0" algn="r">
+                        <a:lnSpc>
+                          <a:spcPct val="115000"/>
+                        </a:lnSpc>
+                        <a:spcBef>
+                          <a:spcPts val="0"/>
+                        </a:spcBef>
+                        <a:spcAft>
+                          <a:spcPts val="0"/>
+                        </a:spcAft>
+                        <a:buNone/>
+                      </a:pPr>
+                      <a:r>
+                        <a:rPr lang="ru" sz="1000"/>
+                        <a:t>115</a:t>
+                      </a:r>
+                      <a:endParaRPr sz="1000"/>
+                    </a:p>
+                  </a:txBody>
+                  <a:tcPr marT="19050" marB="19050" marR="28575" marL="28575" anchor="b">
+                    <a:lnL cap="flat" cmpd="sng" w="9525">
+                      <a:solidFill>
+                        <a:srgbClr val="000000"/>
+                      </a:solidFill>
+                      <a:prstDash val="solid"/>
+                      <a:round/>
+                      <a:headEnd len="sm" w="sm" type="none"/>
+                      <a:tailEnd len="sm" w="sm" type="none"/>
+                    </a:lnL>
+                    <a:lnR cap="flat" cmpd="sng" w="9525">
+                      <a:solidFill>
+                        <a:srgbClr val="000000"/>
+                      </a:solidFill>
+                      <a:prstDash val="solid"/>
+                      <a:round/>
+                      <a:headEnd len="sm" w="sm" type="none"/>
+                      <a:tailEnd len="sm" w="sm" type="none"/>
+                    </a:lnR>
+                    <a:lnT cap="flat" cmpd="sng" w="9525">
+                      <a:solidFill>
+                        <a:srgbClr val="000000"/>
+                      </a:solidFill>
+                      <a:prstDash val="solid"/>
+                      <a:round/>
+                      <a:headEnd len="sm" w="sm" type="none"/>
+                      <a:tailEnd len="sm" w="sm" type="none"/>
+                    </a:lnT>
+                    <a:lnB cap="flat" cmpd="sng" w="9525">
+                      <a:solidFill>
+                        <a:srgbClr val="000000"/>
+                      </a:solidFill>
+                      <a:prstDash val="solid"/>
+                      <a:round/>
+                      <a:headEnd len="sm" w="sm" type="none"/>
+                      <a:tailEnd len="sm" w="sm" type="none"/>
+                    </a:lnB>
+                  </a:tcPr>
+                </a:tc>
+              </a:tr>
+              <a:tr h="200025">
+                <a:tc>
+                  <a:txBody>
+                    <a:bodyPr/>
+                    <a:lstStyle/>
+                    <a:p>
+                      <a:pPr indent="0" lvl="0" marL="0" rtl="0" algn="l">
+                        <a:lnSpc>
+                          <a:spcPct val="115000"/>
+                        </a:lnSpc>
+                        <a:spcBef>
+                          <a:spcPts val="0"/>
+                        </a:spcBef>
+                        <a:spcAft>
+                          <a:spcPts val="0"/>
+                        </a:spcAft>
+                        <a:buNone/>
+                      </a:pPr>
+                      <a:r>
+                        <a:rPr lang="ru" sz="1000"/>
+                        <a:t>IlyaGusev/mbart_ru_sum_gazeta</a:t>
+                      </a:r>
+                      <a:endParaRPr sz="1000"/>
+                    </a:p>
+                  </a:txBody>
+                  <a:tcPr marT="19050" marB="19050" marR="28575" marL="28575" anchor="b">
+                    <a:lnL cap="flat" cmpd="sng" w="9525">
+                      <a:solidFill>
+                        <a:srgbClr val="000000"/>
+                      </a:solidFill>
+                      <a:prstDash val="solid"/>
+                      <a:round/>
+                      <a:headEnd len="sm" w="sm" type="none"/>
+                      <a:tailEnd len="sm" w="sm" type="none"/>
+                    </a:lnL>
+                    <a:lnR cap="flat" cmpd="sng" w="9525">
+                      <a:solidFill>
+                        <a:srgbClr val="000000"/>
+                      </a:solidFill>
+                      <a:prstDash val="solid"/>
+                      <a:round/>
+                      <a:headEnd len="sm" w="sm" type="none"/>
+                      <a:tailEnd len="sm" w="sm" type="none"/>
+                    </a:lnR>
+                    <a:lnT cap="flat" cmpd="sng" w="9525">
+                      <a:solidFill>
+                        <a:srgbClr val="000000"/>
+                      </a:solidFill>
+                      <a:prstDash val="solid"/>
+                      <a:round/>
+                      <a:headEnd len="sm" w="sm" type="none"/>
+                      <a:tailEnd len="sm" w="sm" type="none"/>
+                    </a:lnT>
+                    <a:lnB cap="flat" cmpd="sng" w="9525">
+                      <a:solidFill>
+                        <a:srgbClr val="000000"/>
+                      </a:solidFill>
+                      <a:prstDash val="solid"/>
+                      <a:round/>
+                      <a:headEnd len="sm" w="sm" type="none"/>
+                      <a:tailEnd len="sm" w="sm" type="none"/>
+                    </a:lnB>
+                  </a:tcPr>
+                </a:tc>
+                <a:tc>
+                  <a:txBody>
+                    <a:bodyPr/>
+                    <a:lstStyle/>
+                    <a:p>
+                      <a:pPr indent="0" lvl="0" marL="0" rtl="0" algn="l">
+                        <a:lnSpc>
+                          <a:spcPct val="115000"/>
+                        </a:lnSpc>
+                        <a:spcBef>
+                          <a:spcPts val="0"/>
+                        </a:spcBef>
+                        <a:spcAft>
+                          <a:spcPts val="0"/>
+                        </a:spcAft>
+                        <a:buNone/>
+                      </a:pPr>
+                      <a:r>
+                        <a:rPr lang="ru" sz="1000"/>
+                        <a:t>3.4 GB</a:t>
+                      </a:r>
+                      <a:endParaRPr sz="1000"/>
+                    </a:p>
+                  </a:txBody>
+                  <a:tcPr marT="19050" marB="19050" marR="28575" marL="28575" anchor="b">
+                    <a:lnL cap="flat" cmpd="sng" w="9525">
+                      <a:solidFill>
+                        <a:srgbClr val="000000"/>
+                      </a:solidFill>
+                      <a:prstDash val="solid"/>
+                      <a:round/>
+                      <a:headEnd len="sm" w="sm" type="none"/>
+                      <a:tailEnd len="sm" w="sm" type="none"/>
+                    </a:lnL>
+                    <a:lnR cap="flat" cmpd="sng" w="9525">
+                      <a:solidFill>
+                        <a:srgbClr val="000000"/>
+                      </a:solidFill>
+                      <a:prstDash val="solid"/>
+                      <a:round/>
+                      <a:headEnd len="sm" w="sm" type="none"/>
+                      <a:tailEnd len="sm" w="sm" type="none"/>
+                    </a:lnR>
+                    <a:lnT cap="flat" cmpd="sng" w="9525">
+                      <a:solidFill>
+                        <a:srgbClr val="000000"/>
+                      </a:solidFill>
+                      <a:prstDash val="solid"/>
+                      <a:round/>
+                      <a:headEnd len="sm" w="sm" type="none"/>
+                      <a:tailEnd len="sm" w="sm" type="none"/>
+                    </a:lnT>
+                    <a:lnB cap="flat" cmpd="sng" w="9525">
+                      <a:solidFill>
+                        <a:srgbClr val="000000"/>
+                      </a:solidFill>
+                      <a:prstDash val="solid"/>
+                      <a:round/>
+                      <a:headEnd len="sm" w="sm" type="none"/>
+                      <a:tailEnd len="sm" w="sm" type="none"/>
+                    </a:lnB>
+                  </a:tcPr>
+                </a:tc>
+                <a:tc>
+                  <a:txBody>
+                    <a:bodyPr/>
+                    <a:lstStyle/>
+                    <a:p>
+                      <a:pPr indent="0" lvl="0" marL="0" rtl="0" algn="l">
+                        <a:lnSpc>
+                          <a:spcPct val="115000"/>
+                        </a:lnSpc>
+                        <a:spcBef>
+                          <a:spcPts val="0"/>
+                        </a:spcBef>
+                        <a:spcAft>
+                          <a:spcPts val="0"/>
+                        </a:spcAft>
+                        <a:buNone/>
+                      </a:pPr>
+                      <a:r>
+                        <a:rPr lang="ru" sz="1000"/>
+                        <a:t>0.82</a:t>
+                      </a:r>
+                      <a:endParaRPr sz="1000"/>
+                    </a:p>
+                  </a:txBody>
+                  <a:tcPr marT="19050" marB="19050" marR="28575" marL="28575" anchor="b">
+                    <a:lnL cap="flat" cmpd="sng" w="9525">
+                      <a:solidFill>
+                        <a:srgbClr val="000000"/>
+                      </a:solidFill>
+                      <a:prstDash val="solid"/>
+                      <a:round/>
+                      <a:headEnd len="sm" w="sm" type="none"/>
+                      <a:tailEnd len="sm" w="sm" type="none"/>
+                    </a:lnL>
+                    <a:lnR cap="flat" cmpd="sng" w="9525">
+                      <a:solidFill>
+                        <a:srgbClr val="000000"/>
+                      </a:solidFill>
+                      <a:prstDash val="solid"/>
+                      <a:round/>
+                      <a:headEnd len="sm" w="sm" type="none"/>
+                      <a:tailEnd len="sm" w="sm" type="none"/>
+                    </a:lnR>
+                    <a:lnT cap="flat" cmpd="sng" w="9525">
+                      <a:solidFill>
+                        <a:srgbClr val="000000"/>
+                      </a:solidFill>
+                      <a:prstDash val="solid"/>
+                      <a:round/>
+                      <a:headEnd len="sm" w="sm" type="none"/>
+                      <a:tailEnd len="sm" w="sm" type="none"/>
+                    </a:lnT>
+                    <a:lnB cap="flat" cmpd="sng" w="9525">
+                      <a:solidFill>
+                        <a:srgbClr val="000000"/>
+                      </a:solidFill>
+                      <a:prstDash val="solid"/>
+                      <a:round/>
+                      <a:headEnd len="sm" w="sm" type="none"/>
+                      <a:tailEnd len="sm" w="sm" type="none"/>
+                    </a:lnB>
+                  </a:tcPr>
+                </a:tc>
+                <a:tc>
+                  <a:txBody>
+                    <a:bodyPr/>
+                    <a:lstStyle/>
+                    <a:p>
+                      <a:pPr indent="0" lvl="0" marL="0" rtl="0" algn="r">
+                        <a:lnSpc>
+                          <a:spcPct val="115000"/>
+                        </a:lnSpc>
+                        <a:spcBef>
+                          <a:spcPts val="0"/>
+                        </a:spcBef>
+                        <a:spcAft>
+                          <a:spcPts val="0"/>
+                        </a:spcAft>
+                        <a:buNone/>
+                      </a:pPr>
+                      <a:r>
+                        <a:rPr lang="ru" sz="1000"/>
+                        <a:t>8327</a:t>
+                      </a:r>
+                      <a:endParaRPr sz="1000"/>
+                    </a:p>
+                  </a:txBody>
+                  <a:tcPr marT="19050" marB="19050" marR="28575" marL="28575" anchor="b">
+                    <a:lnL cap="flat" cmpd="sng" w="9525">
+                      <a:solidFill>
+                        <a:srgbClr val="000000"/>
+                      </a:solidFill>
+                      <a:prstDash val="solid"/>
+                      <a:round/>
+                      <a:headEnd len="sm" w="sm" type="none"/>
+                      <a:tailEnd len="sm" w="sm" type="none"/>
+                    </a:lnL>
+                    <a:lnR cap="flat" cmpd="sng" w="9525">
+                      <a:solidFill>
+                        <a:srgbClr val="000000"/>
+                      </a:solidFill>
+                      <a:prstDash val="solid"/>
+                      <a:round/>
+                      <a:headEnd len="sm" w="sm" type="none"/>
+                      <a:tailEnd len="sm" w="sm" type="none"/>
+                    </a:lnR>
+                    <a:lnT cap="flat" cmpd="sng" w="9525">
+                      <a:solidFill>
+                        <a:srgbClr val="000000"/>
+                      </a:solidFill>
+                      <a:prstDash val="solid"/>
+                      <a:round/>
+                      <a:headEnd len="sm" w="sm" type="none"/>
+                      <a:tailEnd len="sm" w="sm" type="none"/>
+                    </a:lnT>
+                    <a:lnB cap="flat" cmpd="sng" w="9525">
+                      <a:solidFill>
+                        <a:srgbClr val="000000"/>
+                      </a:solidFill>
+                      <a:prstDash val="solid"/>
+                      <a:round/>
+                      <a:headEnd len="sm" w="sm" type="none"/>
+                      <a:tailEnd len="sm" w="sm" type="none"/>
+                    </a:lnB>
+                  </a:tcPr>
+                </a:tc>
+              </a:tr>
+            </a:tbl>
+          </a:graphicData>
+        </a:graphic>
+      </p:graphicFrame>
     </p:spTree>
   </p:cSld>
   <p:clrMapOvr>
@@ -11760,8 +14707,8 @@
         </p:nvSpPr>
         <p:spPr>
           <a:xfrm>
-            <a:off x="819150" y="567675"/>
-            <a:ext cx="7505700" cy="793200"/>
+            <a:off x="819150" y="845600"/>
+            <a:ext cx="7505700" cy="954600"/>
           </a:xfrm>
           <a:prstGeom prst="rect">
             <a:avLst/>
@@ -11784,7 +14731,7 @@
             </a:pPr>
             <a:r>
               <a:rPr lang="ru"/>
-              <a:t>Диаграмма Ганта</a:t>
+              <a:t>Планирование и организация</a:t>
             </a:r>
             <a:endParaRPr/>
           </a:p>
@@ -11813,49 +14760,92 @@
           </a:bodyPr>
           <a:lstStyle/>
           <a:p>
-            <a:pPr indent="0" lvl="0" marL="0" rtl="0" algn="just">
-              <a:spcBef>
-                <a:spcPts val="0"/>
-              </a:spcBef>
-              <a:spcAft>
-                <a:spcPts val="0"/>
-              </a:spcAft>
-              <a:buNone/>
+            <a:pPr indent="-336550" lvl="0" marL="457200" rtl="0" algn="l">
+              <a:spcBef>
+                <a:spcPts val="0"/>
+              </a:spcBef>
+              <a:spcAft>
+                <a:spcPts val="0"/>
+              </a:spcAft>
+              <a:buSzPts val="1700"/>
+              <a:buChar char="●"/>
             </a:pPr>
             <a:r>
-              <a:t/>
+              <a:rPr lang="ru"/>
+              <a:t>08.12.23 -  Составление плана действий, описание и распределение задач и ответственных, организация работы команды</a:t>
+            </a:r>
+            <a:endParaRPr/>
+          </a:p>
+          <a:p>
+            <a:pPr indent="-323850" lvl="0" marL="457200" rtl="0" algn="l">
+              <a:spcBef>
+                <a:spcPts val="0"/>
+              </a:spcBef>
+              <a:spcAft>
+                <a:spcPts val="0"/>
+              </a:spcAft>
+              <a:buSzPts val="1500"/>
+              <a:buChar char="●"/>
+            </a:pPr>
+            <a:r>
+              <a:rPr lang="ru"/>
+              <a:t>11.12.23 - Анализ существующих библиотек и решений для разработки приложения</a:t>
+            </a:r>
+            <a:endParaRPr/>
+          </a:p>
+          <a:p>
+            <a:pPr indent="-323850" lvl="0" marL="457200" rtl="0" algn="l">
+              <a:spcBef>
+                <a:spcPts val="0"/>
+              </a:spcBef>
+              <a:spcAft>
+                <a:spcPts val="0"/>
+              </a:spcAft>
+              <a:buSzPts val="1500"/>
+              <a:buChar char="●"/>
+            </a:pPr>
+            <a:r>
+              <a:rPr lang="ru"/>
+              <a:t>17.12.23 -  Разработка приложения и его развертывание</a:t>
+            </a:r>
+            <a:endParaRPr/>
+          </a:p>
+          <a:p>
+            <a:pPr indent="-323850" lvl="0" marL="457200" rtl="0" algn="l">
+              <a:spcBef>
+                <a:spcPts val="0"/>
+              </a:spcBef>
+              <a:spcAft>
+                <a:spcPts val="0"/>
+              </a:spcAft>
+              <a:buSzPts val="1500"/>
+              <a:buChar char="●"/>
+            </a:pPr>
+            <a:r>
+              <a:rPr lang="ru"/>
+              <a:t>19.12.23 - Тестирование приложения</a:t>
+            </a:r>
+            <a:endParaRPr/>
+          </a:p>
+          <a:p>
+            <a:pPr indent="-323850" lvl="0" marL="457200" rtl="0" algn="l">
+              <a:spcBef>
+                <a:spcPts val="0"/>
+              </a:spcBef>
+              <a:spcAft>
+                <a:spcPts val="0"/>
+              </a:spcAft>
+              <a:buSzPts val="1500"/>
+              <a:buChar char="●"/>
+            </a:pPr>
+            <a:r>
+              <a:rPr lang="ru"/>
+              <a:t>22.12.23 - Презентация решения</a:t>
             </a:r>
             <a:endParaRPr/>
           </a:p>
         </p:txBody>
       </p:sp>
-      <p:pic>
-        <p:nvPicPr>
-          <p:cNvPr id="178" name="Google Shape;178;p21"/>
-          <p:cNvPicPr preferRelativeResize="0"/>
-          <p:nvPr/>
-        </p:nvPicPr>
-        <p:blipFill rotWithShape="1">
-          <a:blip r:embed="rId3">
-            <a:alphaModFix/>
-          </a:blip>
-          <a:srcRect b="25239" l="271" r="48477" t="0"/>
-          <a:stretch/>
-        </p:blipFill>
-        <p:spPr>
-          <a:xfrm>
-            <a:off x="819150" y="1360875"/>
-            <a:ext cx="7743098" cy="3275201"/>
-          </a:xfrm>
-          <a:prstGeom prst="rect">
-            <a:avLst/>
-          </a:prstGeom>
-          <a:noFill/>
-          <a:ln>
-            <a:noFill/>
-          </a:ln>
-        </p:spPr>
-      </p:pic>
     </p:spTree>
   </p:cSld>
   <p:clrMapOvr>
@@ -11865,6 +14855,285 @@
 </file>
 
 <file path=ppt/theme/theme1.xml><?xml version="1.0" encoding="utf-8"?>
+<a:theme xmlns:a="http://schemas.openxmlformats.org/drawingml/2006/main" xmlns:r="http://schemas.openxmlformats.org/officeDocument/2006/relationships">
+  <a:themeElements>
+    <a:clrScheme name="Default">
+      <a:dk1>
+        <a:srgbClr val="000000"/>
+      </a:dk1>
+      <a:lt1>
+        <a:srgbClr val="FFFFFF"/>
+      </a:lt1>
+      <a:dk2>
+        <a:srgbClr val="158158"/>
+      </a:dk2>
+      <a:lt2>
+        <a:srgbClr val="F3F3F3"/>
+      </a:lt2>
+      <a:accent1>
+        <a:srgbClr val="058DC7"/>
+      </a:accent1>
+      <a:accent2>
+        <a:srgbClr val="50B432"/>
+      </a:accent2>
+      <a:accent3>
+        <a:srgbClr val="ED561B"/>
+      </a:accent3>
+      <a:accent4>
+        <a:srgbClr val="EDEF00"/>
+      </a:accent4>
+      <a:accent5>
+        <a:srgbClr val="24CBE5"/>
+      </a:accent5>
+      <a:accent6>
+        <a:srgbClr val="64E572"/>
+      </a:accent6>
+      <a:hlink>
+        <a:srgbClr val="2200CC"/>
+      </a:hlink>
+      <a:folHlink>
+        <a:srgbClr val="551A8B"/>
+      </a:folHlink>
+    </a:clrScheme>
+    <a:fontScheme name="Office">
+      <a:majorFont>
+        <a:latin typeface="Arial"/>
+        <a:ea typeface=""/>
+        <a:cs typeface=""/>
+        <a:font script="Jpan" typeface="ＭＳ Ｐゴシック"/>
+        <a:font script="Hang" typeface="맑은 고딕"/>
+        <a:font script="Hans" typeface="宋体"/>
+        <a:font script="Hant" typeface="新細明體"/>
+        <a:font script="Arab" typeface="Times New Roman"/>
+        <a:font script="Hebr" typeface="Times New Roman"/>
+        <a:font script="Thai" typeface="Angsana New"/>
+        <a:font script="Ethi" typeface="Nyala"/>
+        <a:font script="Beng" typeface="Vrinda"/>
+        <a:font script="Gujr" typeface="Shruti"/>
+        <a:font script="Khmr" typeface="MoolBoran"/>
+        <a:font script="Knda" typeface="Tunga"/>
+        <a:font script="Guru" typeface="Raavi"/>
+        <a:font script="Cans" typeface="Euphemia"/>
+        <a:font script="Cher" typeface="Plantagenet Cherokee"/>
+        <a:font script="Yiii" typeface="Microsoft Yi Baiti"/>
+        <a:font script="Tibt" typeface="Microsoft Himalaya"/>
+        <a:font script="Thaa" typeface="MV Boli"/>
+        <a:font script="Deva" typeface="Mangal"/>
+        <a:font script="Telu" typeface="Gautami"/>
+        <a:font script="Taml" typeface="Latha"/>
+        <a:font script="Syrc" typeface="Estrangelo Edessa"/>
+        <a:font script="Orya" typeface="Kalinga"/>
+        <a:font script="Mlym" typeface="Kartika"/>
+        <a:font script="Laoo" typeface="DokChampa"/>
+        <a:font script="Sinh" typeface="Iskoola Pota"/>
+        <a:font script="Mong" typeface="Mongolian Baiti"/>
+        <a:font script="Viet" typeface="Times New Roman"/>
+        <a:font script="Uigh" typeface="Microsoft Uighur"/>
+        <a:font script="Geor" typeface="Sylfaen"/>
+      </a:majorFont>
+      <a:minorFont>
+        <a:latin typeface="Arial"/>
+        <a:ea typeface=""/>
+        <a:cs typeface=""/>
+        <a:font script="Jpan" typeface="ＭＳ Ｐゴシック"/>
+        <a:font script="Hang" typeface="맑은 고딕"/>
+        <a:font script="Hans" typeface="宋体"/>
+        <a:font script="Hant" typeface="新細明體"/>
+        <a:font script="Arab" typeface="Arial"/>
+        <a:font script="Hebr" typeface="Arial"/>
+        <a:font script="Thai" typeface="Cordia New"/>
+        <a:font script="Ethi" typeface="Nyala"/>
+        <a:font script="Beng" typeface="Vrinda"/>
+        <a:font script="Gujr" typeface="Shruti"/>
+        <a:font script="Khmr" typeface="DaunPenh"/>
+        <a:font script="Knda" typeface="Tunga"/>
+        <a:font script="Guru" typeface="Raavi"/>
+        <a:font script="Cans" typeface="Euphemia"/>
+        <a:font script="Cher" typeface="Plantagenet Cherokee"/>
+        <a:font script="Yiii" typeface="Microsoft Yi Baiti"/>
+        <a:font script="Tibt" typeface="Microsoft Himalaya"/>
+        <a:font script="Thaa" typeface="MV Boli"/>
+        <a:font script="Deva" typeface="Mangal"/>
+        <a:font script="Telu" typeface="Gautami"/>
+        <a:font script="Taml" typeface="Latha"/>
+        <a:font script="Syrc" typeface="Estrangelo Edessa"/>
+        <a:font script="Orya" typeface="Kalinga"/>
+        <a:font script="Mlym" typeface="Kartika"/>
+        <a:font script="Laoo" typeface="DokChampa"/>
+        <a:font script="Sinh" typeface="Iskoola Pota"/>
+        <a:font script="Mong" typeface="Mongolian Baiti"/>
+        <a:font script="Viet" typeface="Arial"/>
+        <a:font script="Uigh" typeface="Microsoft Uighur"/>
+        <a:font script="Geor" typeface="Sylfaen"/>
+      </a:minorFont>
+    </a:fontScheme>
+    <a:fmtScheme name="Office">
+      <a:fillStyleLst>
+        <a:solidFill>
+          <a:schemeClr val="phClr"/>
+        </a:solidFill>
+        <a:gradFill rotWithShape="1">
+          <a:gsLst>
+            <a:gs pos="0">
+              <a:schemeClr val="phClr">
+                <a:tint val="50000"/>
+                <a:satMod val="300000"/>
+              </a:schemeClr>
+            </a:gs>
+            <a:gs pos="35000">
+              <a:schemeClr val="phClr">
+                <a:tint val="37000"/>
+                <a:satMod val="300000"/>
+              </a:schemeClr>
+            </a:gs>
+            <a:gs pos="100000">
+              <a:schemeClr val="phClr">
+                <a:tint val="15000"/>
+                <a:satMod val="350000"/>
+              </a:schemeClr>
+            </a:gs>
+          </a:gsLst>
+          <a:lin ang="16200000" scaled="1"/>
+        </a:gradFill>
+        <a:gradFill rotWithShape="1">
+          <a:gsLst>
+            <a:gs pos="0">
+              <a:schemeClr val="phClr">
+                <a:tint val="100000"/>
+                <a:shade val="100000"/>
+                <a:satMod val="130000"/>
+              </a:schemeClr>
+            </a:gs>
+            <a:gs pos="100000">
+              <a:schemeClr val="phClr">
+                <a:tint val="50000"/>
+                <a:shade val="100000"/>
+                <a:satMod val="350000"/>
+              </a:schemeClr>
+            </a:gs>
+          </a:gsLst>
+          <a:lin ang="16200000" scaled="0"/>
+        </a:gradFill>
+      </a:fillStyleLst>
+      <a:lnStyleLst>
+        <a:ln w="9525" cap="flat" cmpd="sng" algn="ctr">
+          <a:solidFill>
+            <a:schemeClr val="phClr">
+              <a:shade val="95000"/>
+              <a:satMod val="105000"/>
+            </a:schemeClr>
+          </a:solidFill>
+          <a:prstDash val="solid"/>
+        </a:ln>
+        <a:ln w="25400" cap="flat" cmpd="sng" algn="ctr">
+          <a:solidFill>
+            <a:schemeClr val="phClr"/>
+          </a:solidFill>
+          <a:prstDash val="solid"/>
+        </a:ln>
+        <a:ln w="38100" cap="flat" cmpd="sng" algn="ctr">
+          <a:solidFill>
+            <a:schemeClr val="phClr"/>
+          </a:solidFill>
+          <a:prstDash val="solid"/>
+        </a:ln>
+      </a:lnStyleLst>
+      <a:effectStyleLst>
+        <a:effectStyle>
+          <a:effectLst>
+            <a:outerShdw blurRad="40000" dist="20000" dir="5400000" rotWithShape="0">
+              <a:srgbClr val="000000">
+                <a:alpha val="38000"/>
+              </a:srgbClr>
+            </a:outerShdw>
+          </a:effectLst>
+        </a:effectStyle>
+        <a:effectStyle>
+          <a:effectLst>
+            <a:outerShdw blurRad="40000" dist="23000" dir="5400000" rotWithShape="0">
+              <a:srgbClr val="000000">
+                <a:alpha val="35000"/>
+              </a:srgbClr>
+            </a:outerShdw>
+          </a:effectLst>
+        </a:effectStyle>
+        <a:effectStyle>
+          <a:effectLst>
+            <a:outerShdw blurRad="40000" dist="23000" dir="5400000" rotWithShape="0">
+              <a:srgbClr val="000000">
+                <a:alpha val="35000"/>
+              </a:srgbClr>
+            </a:outerShdw>
+          </a:effectLst>
+          <a:scene3d>
+            <a:camera prst="orthographicFront">
+              <a:rot lat="0" lon="0" rev="0"/>
+            </a:camera>
+            <a:lightRig rig="threePt" dir="t">
+              <a:rot lat="0" lon="0" rev="1200000"/>
+            </a:lightRig>
+          </a:scene3d>
+          <a:sp3d>
+            <a:bevelT w="63500" h="25400"/>
+          </a:sp3d>
+        </a:effectStyle>
+      </a:effectStyleLst>
+      <a:bgFillStyleLst>
+        <a:solidFill>
+          <a:schemeClr val="phClr"/>
+        </a:solidFill>
+        <a:gradFill rotWithShape="1">
+          <a:gsLst>
+            <a:gs pos="0">
+              <a:schemeClr val="phClr">
+                <a:tint val="40000"/>
+                <a:satMod val="350000"/>
+              </a:schemeClr>
+            </a:gs>
+            <a:gs pos="40000">
+              <a:schemeClr val="phClr">
+                <a:tint val="45000"/>
+                <a:shade val="99000"/>
+                <a:satMod val="350000"/>
+              </a:schemeClr>
+            </a:gs>
+            <a:gs pos="100000">
+              <a:schemeClr val="phClr">
+                <a:shade val="20000"/>
+                <a:satMod val="255000"/>
+              </a:schemeClr>
+            </a:gs>
+          </a:gsLst>
+          <a:path path="circle">
+            <a:fillToRect l="50000" t="-80000" r="50000" b="180000"/>
+          </a:path>
+        </a:gradFill>
+        <a:gradFill rotWithShape="1">
+          <a:gsLst>
+            <a:gs pos="0">
+              <a:schemeClr val="phClr">
+                <a:tint val="80000"/>
+                <a:satMod val="300000"/>
+              </a:schemeClr>
+            </a:gs>
+            <a:gs pos="100000">
+              <a:schemeClr val="phClr">
+                <a:shade val="30000"/>
+                <a:satMod val="200000"/>
+              </a:schemeClr>
+            </a:gs>
+          </a:gsLst>
+          <a:path path="circle">
+            <a:fillToRect l="50000" t="50000" r="50000" b="50000"/>
+          </a:path>
+        </a:gradFill>
+      </a:bgFillStyleLst>
+    </a:fmtScheme>
+  </a:themeElements>
+</a:theme>
+</file>
+
+<file path=ppt/theme/theme2.xml><?xml version="1.0" encoding="utf-8"?>
 <a:theme xmlns:a="http://schemas.openxmlformats.org/drawingml/2006/main" xmlns:r="http://schemas.openxmlformats.org/officeDocument/2006/relationships" name="Shift">
   <a:themeElements>
     <a:clrScheme name="Shift">
@@ -12141,283 +15410,4 @@
     </a:fmtScheme>
   </a:themeElements>
 </a:theme>
-</file>
-
-<file path=ppt/theme/theme2.xml><?xml version="1.0" encoding="utf-8"?>
-<a:theme xmlns:a="http://schemas.openxmlformats.org/drawingml/2006/main" xmlns:r="http://schemas.openxmlformats.org/officeDocument/2006/relationships">
-  <a:themeElements>
-    <a:clrScheme name="Default">
-      <a:dk1>
-        <a:srgbClr val="000000"/>
-      </a:dk1>
-      <a:lt1>
-        <a:srgbClr val="FFFFFF"/>
-      </a:lt1>
-      <a:dk2>
-        <a:srgbClr val="158158"/>
-      </a:dk2>
-      <a:lt2>
-        <a:srgbClr val="F3F3F3"/>
-      </a:lt2>
-      <a:accent1>
-        <a:srgbClr val="058DC7"/>
-      </a:accent1>
-      <a:accent2>
-        <a:srgbClr val="50B432"/>
-      </a:accent2>
-      <a:accent3>
-        <a:srgbClr val="ED561B"/>
-      </a:accent3>
-      <a:accent4>
-        <a:srgbClr val="EDEF00"/>
-      </a:accent4>
-      <a:accent5>
-        <a:srgbClr val="24CBE5"/>
-      </a:accent5>
-      <a:accent6>
-        <a:srgbClr val="64E572"/>
-      </a:accent6>
-      <a:hlink>
-        <a:srgbClr val="2200CC"/>
-      </a:hlink>
-      <a:folHlink>
-        <a:srgbClr val="551A8B"/>
-      </a:folHlink>
-    </a:clrScheme>
-    <a:fontScheme name="Office">
-      <a:majorFont>
-        <a:latin typeface="Arial"/>
-        <a:ea typeface=""/>
-        <a:cs typeface=""/>
-        <a:font script="Jpan" typeface="ＭＳ Ｐゴシック"/>
-        <a:font script="Hang" typeface="맑은 고딕"/>
-        <a:font script="Hans" typeface="宋体"/>
-        <a:font script="Hant" typeface="新細明體"/>
-        <a:font script="Arab" typeface="Times New Roman"/>
-        <a:font script="Hebr" typeface="Times New Roman"/>
-        <a:font script="Thai" typeface="Angsana New"/>
-        <a:font script="Ethi" typeface="Nyala"/>
-        <a:font script="Beng" typeface="Vrinda"/>
-        <a:font script="Gujr" typeface="Shruti"/>
-        <a:font script="Khmr" typeface="MoolBoran"/>
-        <a:font script="Knda" typeface="Tunga"/>
-        <a:font script="Guru" typeface="Raavi"/>
-        <a:font script="Cans" typeface="Euphemia"/>
-        <a:font script="Cher" typeface="Plantagenet Cherokee"/>
-        <a:font script="Yiii" typeface="Microsoft Yi Baiti"/>
-        <a:font script="Tibt" typeface="Microsoft Himalaya"/>
-        <a:font script="Thaa" typeface="MV Boli"/>
-        <a:font script="Deva" typeface="Mangal"/>
-        <a:font script="Telu" typeface="Gautami"/>
-        <a:font script="Taml" typeface="Latha"/>
-        <a:font script="Syrc" typeface="Estrangelo Edessa"/>
-        <a:font script="Orya" typeface="Kalinga"/>
-        <a:font script="Mlym" typeface="Kartika"/>
-        <a:font script="Laoo" typeface="DokChampa"/>
-        <a:font script="Sinh" typeface="Iskoola Pota"/>
-        <a:font script="Mong" typeface="Mongolian Baiti"/>
-        <a:font script="Viet" typeface="Times New Roman"/>
-        <a:font script="Uigh" typeface="Microsoft Uighur"/>
-        <a:font script="Geor" typeface="Sylfaen"/>
-      </a:majorFont>
-      <a:minorFont>
-        <a:latin typeface="Arial"/>
-        <a:ea typeface=""/>
-        <a:cs typeface=""/>
-        <a:font script="Jpan" typeface="ＭＳ Ｐゴシック"/>
-        <a:font script="Hang" typeface="맑은 고딕"/>
-        <a:font script="Hans" typeface="宋体"/>
-        <a:font script="Hant" typeface="新細明體"/>
-        <a:font script="Arab" typeface="Arial"/>
-        <a:font script="Hebr" typeface="Arial"/>
-        <a:font script="Thai" typeface="Cordia New"/>
-        <a:font script="Ethi" typeface="Nyala"/>
-        <a:font script="Beng" typeface="Vrinda"/>
-        <a:font script="Gujr" typeface="Shruti"/>
-        <a:font script="Khmr" typeface="DaunPenh"/>
-        <a:font script="Knda" typeface="Tunga"/>
-        <a:font script="Guru" typeface="Raavi"/>
-        <a:font script="Cans" typeface="Euphemia"/>
-        <a:font script="Cher" typeface="Plantagenet Cherokee"/>
-        <a:font script="Yiii" typeface="Microsoft Yi Baiti"/>
-        <a:font script="Tibt" typeface="Microsoft Himalaya"/>
-        <a:font script="Thaa" typeface="MV Boli"/>
-        <a:font script="Deva" typeface="Mangal"/>
-        <a:font script="Telu" typeface="Gautami"/>
-        <a:font script="Taml" typeface="Latha"/>
-        <a:font script="Syrc" typeface="Estrangelo Edessa"/>
-        <a:font script="Orya" typeface="Kalinga"/>
-        <a:font script="Mlym" typeface="Kartika"/>
-        <a:font script="Laoo" typeface="DokChampa"/>
-        <a:font script="Sinh" typeface="Iskoola Pota"/>
-        <a:font script="Mong" typeface="Mongolian Baiti"/>
-        <a:font script="Viet" typeface="Arial"/>
-        <a:font script="Uigh" typeface="Microsoft Uighur"/>
-        <a:font script="Geor" typeface="Sylfaen"/>
-      </a:minorFont>
-    </a:fontScheme>
-    <a:fmtScheme name="Office">
-      <a:fillStyleLst>
-        <a:solidFill>
-          <a:schemeClr val="phClr"/>
-        </a:solidFill>
-        <a:gradFill rotWithShape="1">
-          <a:gsLst>
-            <a:gs pos="0">
-              <a:schemeClr val="phClr">
-                <a:tint val="50000"/>
-                <a:satMod val="300000"/>
-              </a:schemeClr>
-            </a:gs>
-            <a:gs pos="35000">
-              <a:schemeClr val="phClr">
-                <a:tint val="37000"/>
-                <a:satMod val="300000"/>
-              </a:schemeClr>
-            </a:gs>
-            <a:gs pos="100000">
-              <a:schemeClr val="phClr">
-                <a:tint val="15000"/>
-                <a:satMod val="350000"/>
-              </a:schemeClr>
-            </a:gs>
-          </a:gsLst>
-          <a:lin ang="16200000" scaled="1"/>
-        </a:gradFill>
-        <a:gradFill rotWithShape="1">
-          <a:gsLst>
-            <a:gs pos="0">
-              <a:schemeClr val="phClr">
-                <a:tint val="100000"/>
-                <a:shade val="100000"/>
-                <a:satMod val="130000"/>
-              </a:schemeClr>
-            </a:gs>
-            <a:gs pos="100000">
-              <a:schemeClr val="phClr">
-                <a:tint val="50000"/>
-                <a:shade val="100000"/>
-                <a:satMod val="350000"/>
-              </a:schemeClr>
-            </a:gs>
-          </a:gsLst>
-          <a:lin ang="16200000" scaled="0"/>
-        </a:gradFill>
-      </a:fillStyleLst>
-      <a:lnStyleLst>
-        <a:ln w="9525" cap="flat" cmpd="sng" algn="ctr">
-          <a:solidFill>
-            <a:schemeClr val="phClr">
-              <a:shade val="95000"/>
-              <a:satMod val="105000"/>
-            </a:schemeClr>
-          </a:solidFill>
-          <a:prstDash val="solid"/>
-        </a:ln>
-        <a:ln w="25400" cap="flat" cmpd="sng" algn="ctr">
-          <a:solidFill>
-            <a:schemeClr val="phClr"/>
-          </a:solidFill>
-          <a:prstDash val="solid"/>
-        </a:ln>
-        <a:ln w="38100" cap="flat" cmpd="sng" algn="ctr">
-          <a:solidFill>
-            <a:schemeClr val="phClr"/>
-          </a:solidFill>
-          <a:prstDash val="solid"/>
-        </a:ln>
-      </a:lnStyleLst>
-      <a:effectStyleLst>
-        <a:effectStyle>
-          <a:effectLst>
-            <a:outerShdw blurRad="40000" dist="20000" dir="5400000" rotWithShape="0">
-              <a:srgbClr val="000000">
-                <a:alpha val="38000"/>
-              </a:srgbClr>
-            </a:outerShdw>
-          </a:effectLst>
-        </a:effectStyle>
-        <a:effectStyle>
-          <a:effectLst>
-            <a:outerShdw blurRad="40000" dist="23000" dir="5400000" rotWithShape="0">
-              <a:srgbClr val="000000">
-                <a:alpha val="35000"/>
-              </a:srgbClr>
-            </a:outerShdw>
-          </a:effectLst>
-        </a:effectStyle>
-        <a:effectStyle>
-          <a:effectLst>
-            <a:outerShdw blurRad="40000" dist="23000" dir="5400000" rotWithShape="0">
-              <a:srgbClr val="000000">
-                <a:alpha val="35000"/>
-              </a:srgbClr>
-            </a:outerShdw>
-          </a:effectLst>
-          <a:scene3d>
-            <a:camera prst="orthographicFront">
-              <a:rot lat="0" lon="0" rev="0"/>
-            </a:camera>
-            <a:lightRig rig="threePt" dir="t">
-              <a:rot lat="0" lon="0" rev="1200000"/>
-            </a:lightRig>
-          </a:scene3d>
-          <a:sp3d>
-            <a:bevelT w="63500" h="25400"/>
-          </a:sp3d>
-        </a:effectStyle>
-      </a:effectStyleLst>
-      <a:bgFillStyleLst>
-        <a:solidFill>
-          <a:schemeClr val="phClr"/>
-        </a:solidFill>
-        <a:gradFill rotWithShape="1">
-          <a:gsLst>
-            <a:gs pos="0">
-              <a:schemeClr val="phClr">
-                <a:tint val="40000"/>
-                <a:satMod val="350000"/>
-              </a:schemeClr>
-            </a:gs>
-            <a:gs pos="40000">
-              <a:schemeClr val="phClr">
-                <a:tint val="45000"/>
-                <a:shade val="99000"/>
-                <a:satMod val="350000"/>
-              </a:schemeClr>
-            </a:gs>
-            <a:gs pos="100000">
-              <a:schemeClr val="phClr">
-                <a:shade val="20000"/>
-                <a:satMod val="255000"/>
-              </a:schemeClr>
-            </a:gs>
-          </a:gsLst>
-          <a:path path="circle">
-            <a:fillToRect l="50000" t="-80000" r="50000" b="180000"/>
-          </a:path>
-        </a:gradFill>
-        <a:gradFill rotWithShape="1">
-          <a:gsLst>
-            <a:gs pos="0">
-              <a:schemeClr val="phClr">
-                <a:tint val="80000"/>
-                <a:satMod val="300000"/>
-              </a:schemeClr>
-            </a:gs>
-            <a:gs pos="100000">
-              <a:schemeClr val="phClr">
-                <a:shade val="30000"/>
-                <a:satMod val="200000"/>
-              </a:schemeClr>
-            </a:gs>
-          </a:gsLst>
-          <a:path path="circle">
-            <a:fillToRect l="50000" t="50000" r="50000" b="50000"/>
-          </a:path>
-        </a:gradFill>
-      </a:bgFillStyleLst>
-    </a:fmtScheme>
-  </a:themeElements>
-</a:theme>
 </file>